--- a/Reactive Programming.pptx
+++ b/Reactive Programming.pptx
@@ -12,11 +12,12 @@
     <p:sldId id="263" r:id="rId6"/>
     <p:sldId id="264" r:id="rId7"/>
     <p:sldId id="260" r:id="rId8"/>
-    <p:sldId id="261" r:id="rId9"/>
-    <p:sldId id="262" r:id="rId10"/>
-    <p:sldId id="265" r:id="rId11"/>
-    <p:sldId id="266" r:id="rId12"/>
-    <p:sldId id="267" r:id="rId13"/>
+    <p:sldId id="268" r:id="rId9"/>
+    <p:sldId id="261" r:id="rId10"/>
+    <p:sldId id="262" r:id="rId11"/>
+    <p:sldId id="265" r:id="rId12"/>
+    <p:sldId id="266" r:id="rId13"/>
+    <p:sldId id="267" r:id="rId14"/>
   </p:sldIdLst>
   <p:sldSz cx="12192000" cy="6858000"/>
   <p:notesSz cx="6858000" cy="9144000"/>
@@ -3477,7 +3478,7 @@
             </a:r>
             <a:r>
               <a:rPr lang="en-US" dirty="0"/>
-              <a:t> – Conditional operators</a:t>
+              <a:t> - Operators</a:t>
             </a:r>
             <a:endParaRPr lang="nl-NL" dirty="0"/>
           </a:p>
@@ -3506,33 +3507,43 @@
           <a:p>
             <a:r>
               <a:rPr lang="en-US" dirty="0"/>
-              <a:t>We will discuss a few that are often used</a:t>
+              <a:t>Perform operations on observables/streams:</a:t>
             </a:r>
           </a:p>
           <a:p>
             <a:pPr lvl="1"/>
             <a:r>
-              <a:rPr lang="en-US" dirty="0" err="1"/>
-              <a:t>CombineLatest</a:t>
-            </a:r>
-            <a:endParaRPr lang="en-US" dirty="0"/>
+              <a:rPr lang="en-US" dirty="0"/>
+              <a:t>Combinational</a:t>
+            </a:r>
           </a:p>
           <a:p>
             <a:pPr lvl="1"/>
             <a:r>
               <a:rPr lang="en-US" dirty="0"/>
-              <a:t>Merge</a:t>
+              <a:t>Creational ( like timer )</a:t>
             </a:r>
           </a:p>
           <a:p>
             <a:pPr lvl="1"/>
             <a:r>
-              <a:rPr lang="en-US" dirty="0" err="1"/>
-              <a:t>WithLatestFrom</a:t>
-            </a:r>
-            <a:endParaRPr lang="en-US" dirty="0"/>
-          </a:p>
-          <a:p>
+              <a:rPr lang="en-US" dirty="0"/>
+              <a:t>Filtering</a:t>
+            </a:r>
+          </a:p>
+          <a:p>
+            <a:pPr lvl="1"/>
+            <a:r>
+              <a:rPr lang="en-US" dirty="0"/>
+              <a:t>Transformational</a:t>
+            </a:r>
+          </a:p>
+          <a:p>
+            <a:pPr lvl="1"/>
+            <a:r>
+              <a:rPr lang="en-US" dirty="0"/>
+              <a:t>Utilities</a:t>
+            </a:r>
             <a:endParaRPr lang="nl-NL" dirty="0"/>
           </a:p>
         </p:txBody>
@@ -3540,7 +3551,7 @@
     </p:spTree>
     <p:extLst>
       <p:ext uri="{BB962C8B-B14F-4D97-AF65-F5344CB8AC3E}">
-        <p14:creationId xmlns:p14="http://schemas.microsoft.com/office/powerpoint/2010/main" val="2577770255"/>
+        <p14:creationId xmlns:p14="http://schemas.microsoft.com/office/powerpoint/2010/main" val="1404636935"/>
       </p:ext>
     </p:extLst>
   </p:cSld>
@@ -3594,6 +3605,123 @@
             </a:r>
             <a:r>
               <a:rPr lang="en-US" dirty="0"/>
+              <a:t> – Conditional operators</a:t>
+            </a:r>
+            <a:endParaRPr lang="nl-NL" dirty="0"/>
+          </a:p>
+        </p:txBody>
+      </p:sp>
+      <p:sp>
+        <p:nvSpPr>
+          <p:cNvPr id="3" name="Content Placeholder 2">
+            <a:extLst>
+              <a:ext uri="{FF2B5EF4-FFF2-40B4-BE49-F238E27FC236}">
+                <a16:creationId xmlns:a16="http://schemas.microsoft.com/office/drawing/2014/main" id="{C90A967C-091E-446E-A3BC-DB667D44AF18}"/>
+              </a:ext>
+            </a:extLst>
+          </p:cNvPr>
+          <p:cNvSpPr>
+            <a:spLocks noGrp="1"/>
+          </p:cNvSpPr>
+          <p:nvPr>
+            <p:ph idx="1"/>
+          </p:nvPr>
+        </p:nvSpPr>
+        <p:spPr/>
+        <p:txBody>
+          <a:bodyPr/>
+          <a:lstStyle/>
+          <a:p>
+            <a:r>
+              <a:rPr lang="en-US" dirty="0"/>
+              <a:t>We will discuss a few that are often used</a:t>
+            </a:r>
+          </a:p>
+          <a:p>
+            <a:pPr lvl="1"/>
+            <a:r>
+              <a:rPr lang="en-US" dirty="0" err="1"/>
+              <a:t>CombineLatest</a:t>
+            </a:r>
+            <a:endParaRPr lang="en-US" dirty="0"/>
+          </a:p>
+          <a:p>
+            <a:pPr lvl="1"/>
+            <a:r>
+              <a:rPr lang="en-US" dirty="0"/>
+              <a:t>Merge</a:t>
+            </a:r>
+          </a:p>
+          <a:p>
+            <a:pPr lvl="1"/>
+            <a:r>
+              <a:rPr lang="en-US" dirty="0" err="1"/>
+              <a:t>WithLatestFrom</a:t>
+            </a:r>
+            <a:endParaRPr lang="en-US" dirty="0"/>
+          </a:p>
+          <a:p>
+            <a:endParaRPr lang="nl-NL" dirty="0"/>
+          </a:p>
+        </p:txBody>
+      </p:sp>
+    </p:spTree>
+    <p:extLst>
+      <p:ext uri="{BB962C8B-B14F-4D97-AF65-F5344CB8AC3E}">
+        <p14:creationId xmlns:p14="http://schemas.microsoft.com/office/powerpoint/2010/main" val="2577770255"/>
+      </p:ext>
+    </p:extLst>
+  </p:cSld>
+  <p:clrMapOvr>
+    <a:masterClrMapping/>
+  </p:clrMapOvr>
+</p:sld>
+</file>
+
+<file path=ppt/slides/slide12.xml><?xml version="1.0" encoding="utf-8"?>
+<p:sld xmlns:a="http://schemas.openxmlformats.org/drawingml/2006/main" xmlns:r="http://schemas.openxmlformats.org/officeDocument/2006/relationships" xmlns:p="http://schemas.openxmlformats.org/presentationml/2006/main">
+  <p:cSld>
+    <p:spTree>
+      <p:nvGrpSpPr>
+        <p:cNvPr id="1" name=""/>
+        <p:cNvGrpSpPr/>
+        <p:nvPr/>
+      </p:nvGrpSpPr>
+      <p:grpSpPr>
+        <a:xfrm>
+          <a:off x="0" y="0"/>
+          <a:ext cx="0" cy="0"/>
+          <a:chOff x="0" y="0"/>
+          <a:chExt cx="0" cy="0"/>
+        </a:xfrm>
+      </p:grpSpPr>
+      <p:sp>
+        <p:nvSpPr>
+          <p:cNvPr id="2" name="Title 1">
+            <a:extLst>
+              <a:ext uri="{FF2B5EF4-FFF2-40B4-BE49-F238E27FC236}">
+                <a16:creationId xmlns:a16="http://schemas.microsoft.com/office/drawing/2014/main" id="{142B161C-E1D3-4329-8343-2577BC53FF87}"/>
+              </a:ext>
+            </a:extLst>
+          </p:cNvPr>
+          <p:cNvSpPr>
+            <a:spLocks noGrp="1"/>
+          </p:cNvSpPr>
+          <p:nvPr>
+            <p:ph type="title"/>
+          </p:nvPr>
+        </p:nvSpPr>
+        <p:spPr/>
+        <p:txBody>
+          <a:bodyPr/>
+          <a:lstStyle/>
+          <a:p>
+            <a:r>
+              <a:rPr lang="en-US" dirty="0" err="1"/>
+              <a:t>RxJS</a:t>
+            </a:r>
+            <a:r>
+              <a:rPr lang="en-US" dirty="0"/>
               <a:t> – Creational operators</a:t>
             </a:r>
             <a:endParaRPr lang="nl-NL" dirty="0"/>
@@ -3665,7 +3793,7 @@
 </p:sld>
 </file>
 
-<file path=ppt/slides/slide12.xml><?xml version="1.0" encoding="utf-8"?>
+<file path=ppt/slides/slide13.xml><?xml version="1.0" encoding="utf-8"?>
 <p:sld xmlns:a="http://schemas.openxmlformats.org/drawingml/2006/main" xmlns:r="http://schemas.openxmlformats.org/officeDocument/2006/relationships" xmlns:p="http://schemas.openxmlformats.org/presentationml/2006/main">
   <p:cSld>
     <p:spTree>
@@ -4476,7 +4604,7 @@
             <a:pPr lvl="1"/>
             <a:r>
               <a:rPr lang="en-US" dirty="0"/>
-              <a:t>Lazy because it won’t do anything until you subscribe</a:t>
+              <a:t>It won’t do anything until you subscribe</a:t>
             </a:r>
           </a:p>
           <a:p>
@@ -4530,13 +4658,13 @@
           <p:nvPr>
             <p:extLst>
               <p:ext uri="{D42A27DB-BD31-4B8C-83A1-F6EECF244321}">
-                <p14:modId xmlns:p14="http://schemas.microsoft.com/office/powerpoint/2010/main" val="792360494"/>
+                <p14:modId xmlns:p14="http://schemas.microsoft.com/office/powerpoint/2010/main" val="1479768480"/>
               </p:ext>
             </p:extLst>
           </p:nvPr>
         </p:nvGraphicFramePr>
         <p:xfrm>
-          <a:off x="1064211" y="4278524"/>
+          <a:off x="1064211" y="4814351"/>
           <a:ext cx="10063578" cy="1112520"/>
         </p:xfrm>
         <a:graphic>
@@ -4750,7 +4878,7 @@
           <p:cNvPr id="2" name="Title 1">
             <a:extLst>
               <a:ext uri="{FF2B5EF4-FFF2-40B4-BE49-F238E27FC236}">
-                <a16:creationId xmlns:a16="http://schemas.microsoft.com/office/drawing/2014/main" id="{142B161C-E1D3-4329-8343-2577BC53FF87}"/>
+                <a16:creationId xmlns:a16="http://schemas.microsoft.com/office/drawing/2014/main" id="{B2F5F2FF-3F06-4A99-AEBD-D6F2D5712276}"/>
               </a:ext>
             </a:extLst>
           </p:cNvPr>
@@ -4772,7 +4900,7 @@
             </a:r>
             <a:r>
               <a:rPr lang="en-US" dirty="0"/>
-              <a:t> - Subjects</a:t>
+              <a:t> – Observables demo</a:t>
             </a:r>
             <a:endParaRPr lang="nl-NL" dirty="0"/>
           </a:p>
@@ -4780,99 +4908,541 @@
       </p:sp>
       <p:sp>
         <p:nvSpPr>
-          <p:cNvPr id="3" name="Content Placeholder 2">
-            <a:extLst>
-              <a:ext uri="{FF2B5EF4-FFF2-40B4-BE49-F238E27FC236}">
-                <a16:creationId xmlns:a16="http://schemas.microsoft.com/office/drawing/2014/main" id="{C90A967C-091E-446E-A3BC-DB667D44AF18}"/>
-              </a:ext>
-            </a:extLst>
-          </p:cNvPr>
-          <p:cNvSpPr>
-            <a:spLocks noGrp="1"/>
-          </p:cNvSpPr>
-          <p:nvPr>
-            <p:ph idx="1"/>
-          </p:nvPr>
-        </p:nvSpPr>
-        <p:spPr/>
-        <p:txBody>
-          <a:bodyPr/>
+          <p:cNvPr id="6" name="TextBox 5">
+            <a:extLst>
+              <a:ext uri="{FF2B5EF4-FFF2-40B4-BE49-F238E27FC236}">
+                <a16:creationId xmlns:a16="http://schemas.microsoft.com/office/drawing/2014/main" id="{DDAAC87B-754E-4AFB-9ABB-74CEC59D9E21}"/>
+              </a:ext>
+            </a:extLst>
+          </p:cNvPr>
+          <p:cNvSpPr txBox="1"/>
+          <p:nvPr/>
+        </p:nvSpPr>
+        <p:spPr>
+          <a:xfrm>
+            <a:off x="1100669" y="2552267"/>
+            <a:ext cx="1531188" cy="369332"/>
+          </a:xfrm>
+          <a:prstGeom prst="rect">
+            <a:avLst/>
+          </a:prstGeom>
+          <a:noFill/>
+        </p:spPr>
+        <p:txBody>
+          <a:bodyPr wrap="none" rtlCol="0">
+            <a:spAutoFit/>
+          </a:bodyPr>
           <a:lstStyle/>
           <a:p>
             <a:r>
               <a:rPr lang="en-US" dirty="0"/>
-              <a:t>Subjects</a:t>
-            </a:r>
-          </a:p>
-          <a:p>
-            <a:pPr lvl="1"/>
+              <a:t>timer(0, 1000)</a:t>
+            </a:r>
+            <a:endParaRPr lang="nl-NL" dirty="0"/>
+          </a:p>
+        </p:txBody>
+      </p:sp>
+      <p:grpSp>
+        <p:nvGrpSpPr>
+          <p:cNvPr id="13" name="Group 12">
+            <a:extLst>
+              <a:ext uri="{FF2B5EF4-FFF2-40B4-BE49-F238E27FC236}">
+                <a16:creationId xmlns:a16="http://schemas.microsoft.com/office/drawing/2014/main" id="{FE7E6A7E-E0F8-460E-928D-B0CC2FB5AD43}"/>
+              </a:ext>
+            </a:extLst>
+          </p:cNvPr>
+          <p:cNvGrpSpPr/>
+          <p:nvPr/>
+        </p:nvGrpSpPr>
+        <p:grpSpPr>
+          <a:xfrm>
+            <a:off x="3331445" y="2477250"/>
+            <a:ext cx="6138710" cy="468343"/>
+            <a:chOff x="1805504" y="2547584"/>
+            <a:chExt cx="6138710" cy="468343"/>
+          </a:xfrm>
+        </p:grpSpPr>
+        <p:cxnSp>
+          <p:nvCxnSpPr>
+            <p:cNvPr id="5" name="Straight Connector 4">
+              <a:extLst>
+                <a:ext uri="{FF2B5EF4-FFF2-40B4-BE49-F238E27FC236}">
+                  <a16:creationId xmlns:a16="http://schemas.microsoft.com/office/drawing/2014/main" id="{4234F9AA-1096-4748-B0FA-0D91A9E4CB30}"/>
+                </a:ext>
+              </a:extLst>
+            </p:cNvPr>
+            <p:cNvCxnSpPr>
+              <a:cxnSpLocks/>
+            </p:cNvCxnSpPr>
+            <p:nvPr/>
+          </p:nvCxnSpPr>
+          <p:spPr>
+            <a:xfrm>
+              <a:off x="2015175" y="2807267"/>
+              <a:ext cx="5929039" cy="0"/>
+            </a:xfrm>
+            <a:prstGeom prst="line">
+              <a:avLst/>
+            </a:prstGeom>
+            <a:ln w="15875">
+              <a:tailEnd type="triangle"/>
+            </a:ln>
+          </p:spPr>
+          <p:style>
+            <a:lnRef idx="1">
+              <a:schemeClr val="accent1"/>
+            </a:lnRef>
+            <a:fillRef idx="0">
+              <a:schemeClr val="accent1"/>
+            </a:fillRef>
+            <a:effectRef idx="0">
+              <a:schemeClr val="accent1"/>
+            </a:effectRef>
+            <a:fontRef idx="minor">
+              <a:schemeClr val="tx1"/>
+            </a:fontRef>
+          </p:style>
+        </p:cxnSp>
+        <p:sp>
+          <p:nvSpPr>
+            <p:cNvPr id="7" name="Oval 6">
+              <a:extLst>
+                <a:ext uri="{FF2B5EF4-FFF2-40B4-BE49-F238E27FC236}">
+                  <a16:creationId xmlns:a16="http://schemas.microsoft.com/office/drawing/2014/main" id="{CAE823F2-E96A-4C7C-8916-51DA8E879663}"/>
+                </a:ext>
+              </a:extLst>
+            </p:cNvPr>
+            <p:cNvSpPr/>
+            <p:nvPr/>
+          </p:nvSpPr>
+          <p:spPr>
+            <a:xfrm>
+              <a:off x="1805504" y="2552205"/>
+              <a:ext cx="460112" cy="460112"/>
+            </a:xfrm>
+            <a:prstGeom prst="ellipse">
+              <a:avLst/>
+            </a:prstGeom>
+          </p:spPr>
+          <p:style>
+            <a:lnRef idx="2">
+              <a:schemeClr val="accent1">
+                <a:shade val="50000"/>
+              </a:schemeClr>
+            </a:lnRef>
+            <a:fillRef idx="1">
+              <a:schemeClr val="accent1"/>
+            </a:fillRef>
+            <a:effectRef idx="0">
+              <a:schemeClr val="accent1"/>
+            </a:effectRef>
+            <a:fontRef idx="minor">
+              <a:schemeClr val="lt1"/>
+            </a:fontRef>
+          </p:style>
+          <p:txBody>
+            <a:bodyPr rtlCol="0" anchor="ctr"/>
+            <a:lstStyle/>
+            <a:p>
+              <a:pPr algn="ctr"/>
+              <a:r>
+                <a:rPr lang="en-US" dirty="0"/>
+                <a:t>0</a:t>
+              </a:r>
+              <a:endParaRPr lang="nl-NL" dirty="0"/>
+            </a:p>
+          </p:txBody>
+        </p:sp>
+        <p:sp>
+          <p:nvSpPr>
+            <p:cNvPr id="8" name="Oval 7">
+              <a:extLst>
+                <a:ext uri="{FF2B5EF4-FFF2-40B4-BE49-F238E27FC236}">
+                  <a16:creationId xmlns:a16="http://schemas.microsoft.com/office/drawing/2014/main" id="{E3273A31-2F35-45CD-8C71-C88071413DA1}"/>
+                </a:ext>
+              </a:extLst>
+            </p:cNvPr>
+            <p:cNvSpPr/>
+            <p:nvPr/>
+          </p:nvSpPr>
+          <p:spPr>
+            <a:xfrm>
+              <a:off x="2995582" y="2552205"/>
+              <a:ext cx="460112" cy="460112"/>
+            </a:xfrm>
+            <a:prstGeom prst="ellipse">
+              <a:avLst/>
+            </a:prstGeom>
+          </p:spPr>
+          <p:style>
+            <a:lnRef idx="2">
+              <a:schemeClr val="accent1">
+                <a:shade val="50000"/>
+              </a:schemeClr>
+            </a:lnRef>
+            <a:fillRef idx="1">
+              <a:schemeClr val="accent1"/>
+            </a:fillRef>
+            <a:effectRef idx="0">
+              <a:schemeClr val="accent1"/>
+            </a:effectRef>
+            <a:fontRef idx="minor">
+              <a:schemeClr val="lt1"/>
+            </a:fontRef>
+          </p:style>
+          <p:txBody>
+            <a:bodyPr rtlCol="0" anchor="ctr"/>
+            <a:lstStyle/>
+            <a:p>
+              <a:pPr algn="ctr"/>
+              <a:r>
+                <a:rPr lang="en-US" dirty="0"/>
+                <a:t>1</a:t>
+              </a:r>
+              <a:endParaRPr lang="nl-NL" dirty="0"/>
+            </a:p>
+          </p:txBody>
+        </p:sp>
+        <p:sp>
+          <p:nvSpPr>
+            <p:cNvPr id="9" name="Oval 8">
+              <a:extLst>
+                <a:ext uri="{FF2B5EF4-FFF2-40B4-BE49-F238E27FC236}">
+                  <a16:creationId xmlns:a16="http://schemas.microsoft.com/office/drawing/2014/main" id="{1648380E-47A1-44F1-B894-79DF6619F517}"/>
+                </a:ext>
+              </a:extLst>
+            </p:cNvPr>
+            <p:cNvSpPr/>
+            <p:nvPr/>
+          </p:nvSpPr>
+          <p:spPr>
+            <a:xfrm>
+              <a:off x="4185660" y="2547584"/>
+              <a:ext cx="460112" cy="460112"/>
+            </a:xfrm>
+            <a:prstGeom prst="ellipse">
+              <a:avLst/>
+            </a:prstGeom>
+          </p:spPr>
+          <p:style>
+            <a:lnRef idx="2">
+              <a:schemeClr val="accent1">
+                <a:shade val="50000"/>
+              </a:schemeClr>
+            </a:lnRef>
+            <a:fillRef idx="1">
+              <a:schemeClr val="accent1"/>
+            </a:fillRef>
+            <a:effectRef idx="0">
+              <a:schemeClr val="accent1"/>
+            </a:effectRef>
+            <a:fontRef idx="minor">
+              <a:schemeClr val="lt1"/>
+            </a:fontRef>
+          </p:style>
+          <p:txBody>
+            <a:bodyPr rtlCol="0" anchor="ctr"/>
+            <a:lstStyle/>
+            <a:p>
+              <a:pPr algn="ctr"/>
+              <a:r>
+                <a:rPr lang="en-US" dirty="0"/>
+                <a:t>2</a:t>
+              </a:r>
+              <a:endParaRPr lang="nl-NL" dirty="0"/>
+            </a:p>
+          </p:txBody>
+        </p:sp>
+        <p:sp>
+          <p:nvSpPr>
+            <p:cNvPr id="10" name="Oval 9">
+              <a:extLst>
+                <a:ext uri="{FF2B5EF4-FFF2-40B4-BE49-F238E27FC236}">
+                  <a16:creationId xmlns:a16="http://schemas.microsoft.com/office/drawing/2014/main" id="{4FC29A1A-E6E9-4F75-B468-3D97BDDDB803}"/>
+                </a:ext>
+              </a:extLst>
+            </p:cNvPr>
+            <p:cNvSpPr/>
+            <p:nvPr/>
+          </p:nvSpPr>
+          <p:spPr>
+            <a:xfrm>
+              <a:off x="5375740" y="2547584"/>
+              <a:ext cx="460112" cy="460112"/>
+            </a:xfrm>
+            <a:prstGeom prst="ellipse">
+              <a:avLst/>
+            </a:prstGeom>
+          </p:spPr>
+          <p:style>
+            <a:lnRef idx="2">
+              <a:schemeClr val="accent1">
+                <a:shade val="50000"/>
+              </a:schemeClr>
+            </a:lnRef>
+            <a:fillRef idx="1">
+              <a:schemeClr val="accent1"/>
+            </a:fillRef>
+            <a:effectRef idx="0">
+              <a:schemeClr val="accent1"/>
+            </a:effectRef>
+            <a:fontRef idx="minor">
+              <a:schemeClr val="lt1"/>
+            </a:fontRef>
+          </p:style>
+          <p:txBody>
+            <a:bodyPr rtlCol="0" anchor="ctr"/>
+            <a:lstStyle/>
+            <a:p>
+              <a:pPr algn="ctr"/>
+              <a:r>
+                <a:rPr lang="en-US" dirty="0"/>
+                <a:t>3</a:t>
+              </a:r>
+              <a:endParaRPr lang="nl-NL" dirty="0"/>
+            </a:p>
+          </p:txBody>
+        </p:sp>
+        <p:sp>
+          <p:nvSpPr>
+            <p:cNvPr id="11" name="Oval 10">
+              <a:extLst>
+                <a:ext uri="{FF2B5EF4-FFF2-40B4-BE49-F238E27FC236}">
+                  <a16:creationId xmlns:a16="http://schemas.microsoft.com/office/drawing/2014/main" id="{C7F5D638-C60F-4AD0-A661-B166229F6856}"/>
+                </a:ext>
+              </a:extLst>
+            </p:cNvPr>
+            <p:cNvSpPr/>
+            <p:nvPr/>
+          </p:nvSpPr>
+          <p:spPr>
+            <a:xfrm>
+              <a:off x="6565816" y="2555815"/>
+              <a:ext cx="460112" cy="460112"/>
+            </a:xfrm>
+            <a:prstGeom prst="ellipse">
+              <a:avLst/>
+            </a:prstGeom>
+          </p:spPr>
+          <p:style>
+            <a:lnRef idx="2">
+              <a:schemeClr val="accent1">
+                <a:shade val="50000"/>
+              </a:schemeClr>
+            </a:lnRef>
+            <a:fillRef idx="1">
+              <a:schemeClr val="accent1"/>
+            </a:fillRef>
+            <a:effectRef idx="0">
+              <a:schemeClr val="accent1"/>
+            </a:effectRef>
+            <a:fontRef idx="minor">
+              <a:schemeClr val="lt1"/>
+            </a:fontRef>
+          </p:style>
+          <p:txBody>
+            <a:bodyPr rtlCol="0" anchor="ctr"/>
+            <a:lstStyle/>
+            <a:p>
+              <a:pPr algn="ctr"/>
+              <a:r>
+                <a:rPr lang="en-US" dirty="0"/>
+                <a:t>4</a:t>
+              </a:r>
+              <a:endParaRPr lang="nl-NL" dirty="0"/>
+            </a:p>
+          </p:txBody>
+        </p:sp>
+      </p:grpSp>
+      <p:sp>
+        <p:nvSpPr>
+          <p:cNvPr id="22" name="TextBox 21">
+            <a:extLst>
+              <a:ext uri="{FF2B5EF4-FFF2-40B4-BE49-F238E27FC236}">
+                <a16:creationId xmlns:a16="http://schemas.microsoft.com/office/drawing/2014/main" id="{883D1201-AD94-4E68-B49E-A3FDAD1D4BB2}"/>
+              </a:ext>
+            </a:extLst>
+          </p:cNvPr>
+          <p:cNvSpPr txBox="1"/>
+          <p:nvPr/>
+        </p:nvSpPr>
+        <p:spPr>
+          <a:xfrm>
+            <a:off x="1100669" y="3851065"/>
+            <a:ext cx="1303562" cy="369332"/>
+          </a:xfrm>
+          <a:prstGeom prst="rect">
+            <a:avLst/>
+          </a:prstGeom>
+          <a:noFill/>
+        </p:spPr>
+        <p:txBody>
+          <a:bodyPr wrap="none" rtlCol="0">
+            <a:spAutoFit/>
+          </a:bodyPr>
+          <a:lstStyle/>
+          <a:p>
             <a:r>
               <a:rPr lang="en-US" dirty="0"/>
-              <a:t>“Special observables used for multicasting”</a:t>
-            </a:r>
-          </a:p>
-          <a:p>
-            <a:pPr lvl="1"/>
-            <a:r>
-              <a:rPr lang="en-US" dirty="0"/>
-              <a:t>Several types:</a:t>
-            </a:r>
-          </a:p>
-          <a:p>
-            <a:pPr lvl="2"/>
-            <a:r>
-              <a:rPr lang="en-US" dirty="0"/>
-              <a:t>Subject</a:t>
-            </a:r>
-          </a:p>
-          <a:p>
-            <a:pPr lvl="2"/>
-            <a:r>
-              <a:rPr lang="en-US" dirty="0" err="1"/>
-              <a:t>ReplaySubject</a:t>
-            </a:r>
-            <a:r>
-              <a:rPr lang="en-US" dirty="0"/>
-              <a:t> </a:t>
-            </a:r>
-            <a:r>
-              <a:rPr lang="en-US" sz="1600" dirty="0"/>
-              <a:t>(last N emitted values)</a:t>
-            </a:r>
-            <a:endParaRPr lang="en-US" dirty="0"/>
-          </a:p>
-          <a:p>
-            <a:pPr lvl="2"/>
-            <a:r>
-              <a:rPr lang="en-US" dirty="0" err="1"/>
-              <a:t>BehaviorSubject</a:t>
-            </a:r>
-            <a:r>
-              <a:rPr lang="en-US" dirty="0"/>
-              <a:t> </a:t>
-            </a:r>
-            <a:r>
-              <a:rPr lang="en-US" sz="1600" dirty="0"/>
-              <a:t>(last emitted value, with initial seed)</a:t>
-            </a:r>
-          </a:p>
-          <a:p>
-            <a:pPr lvl="2"/>
-            <a:r>
-              <a:rPr lang="en-US" dirty="0" err="1"/>
-              <a:t>AsyncSubject</a:t>
-            </a:r>
-            <a:r>
-              <a:rPr lang="en-US" sz="1600" dirty="0"/>
-              <a:t> (emits last value on complete)</a:t>
-            </a:r>
-          </a:p>
-        </p:txBody>
-      </p:sp>
+              <a:t>timer(1000)</a:t>
+            </a:r>
+            <a:endParaRPr lang="nl-NL" dirty="0"/>
+          </a:p>
+        </p:txBody>
+      </p:sp>
+      <p:grpSp>
+        <p:nvGrpSpPr>
+          <p:cNvPr id="32" name="Group 31">
+            <a:extLst>
+              <a:ext uri="{FF2B5EF4-FFF2-40B4-BE49-F238E27FC236}">
+                <a16:creationId xmlns:a16="http://schemas.microsoft.com/office/drawing/2014/main" id="{3B0F7F73-805D-45AB-8DED-A1CF7A522AB3}"/>
+              </a:ext>
+            </a:extLst>
+          </p:cNvPr>
+          <p:cNvGrpSpPr/>
+          <p:nvPr/>
+        </p:nvGrpSpPr>
+        <p:grpSpPr>
+          <a:xfrm>
+            <a:off x="3541116" y="3780669"/>
+            <a:ext cx="5929039" cy="460112"/>
+            <a:chOff x="3541116" y="3780669"/>
+            <a:chExt cx="5929039" cy="460112"/>
+          </a:xfrm>
+        </p:grpSpPr>
+        <p:cxnSp>
+          <p:nvCxnSpPr>
+            <p:cNvPr id="24" name="Straight Connector 23">
+              <a:extLst>
+                <a:ext uri="{FF2B5EF4-FFF2-40B4-BE49-F238E27FC236}">
+                  <a16:creationId xmlns:a16="http://schemas.microsoft.com/office/drawing/2014/main" id="{E3F6D834-D127-4471-93F0-926F559A159B}"/>
+                </a:ext>
+              </a:extLst>
+            </p:cNvPr>
+            <p:cNvCxnSpPr>
+              <a:cxnSpLocks/>
+            </p:cNvCxnSpPr>
+            <p:nvPr/>
+          </p:nvCxnSpPr>
+          <p:spPr>
+            <a:xfrm>
+              <a:off x="3541116" y="4035731"/>
+              <a:ext cx="5929039" cy="0"/>
+            </a:xfrm>
+            <a:prstGeom prst="line">
+              <a:avLst/>
+            </a:prstGeom>
+            <a:ln w="15875">
+              <a:tailEnd type="triangle"/>
+            </a:ln>
+          </p:spPr>
+          <p:style>
+            <a:lnRef idx="1">
+              <a:schemeClr val="accent1"/>
+            </a:lnRef>
+            <a:fillRef idx="0">
+              <a:schemeClr val="accent1"/>
+            </a:fillRef>
+            <a:effectRef idx="0">
+              <a:schemeClr val="accent1"/>
+            </a:effectRef>
+            <a:fontRef idx="minor">
+              <a:schemeClr val="tx1"/>
+            </a:fontRef>
+          </p:style>
+        </p:cxnSp>
+        <p:sp>
+          <p:nvSpPr>
+            <p:cNvPr id="26" name="Oval 25">
+              <a:extLst>
+                <a:ext uri="{FF2B5EF4-FFF2-40B4-BE49-F238E27FC236}">
+                  <a16:creationId xmlns:a16="http://schemas.microsoft.com/office/drawing/2014/main" id="{8C6BACEB-8351-4C48-8A90-C0321A701E24}"/>
+                </a:ext>
+              </a:extLst>
+            </p:cNvPr>
+            <p:cNvSpPr/>
+            <p:nvPr/>
+          </p:nvSpPr>
+          <p:spPr>
+            <a:xfrm>
+              <a:off x="4521523" y="3780669"/>
+              <a:ext cx="460112" cy="460112"/>
+            </a:xfrm>
+            <a:prstGeom prst="ellipse">
+              <a:avLst/>
+            </a:prstGeom>
+          </p:spPr>
+          <p:style>
+            <a:lnRef idx="2">
+              <a:schemeClr val="accent1">
+                <a:shade val="50000"/>
+              </a:schemeClr>
+            </a:lnRef>
+            <a:fillRef idx="1">
+              <a:schemeClr val="accent1"/>
+            </a:fillRef>
+            <a:effectRef idx="0">
+              <a:schemeClr val="accent1"/>
+            </a:effectRef>
+            <a:fontRef idx="minor">
+              <a:schemeClr val="lt1"/>
+            </a:fontRef>
+          </p:style>
+          <p:txBody>
+            <a:bodyPr rtlCol="0" anchor="ctr"/>
+            <a:lstStyle/>
+            <a:p>
+              <a:pPr algn="ctr"/>
+              <a:r>
+                <a:rPr lang="en-US" dirty="0"/>
+                <a:t>0</a:t>
+              </a:r>
+              <a:endParaRPr lang="nl-NL" dirty="0"/>
+            </a:p>
+          </p:txBody>
+        </p:sp>
+        <p:cxnSp>
+          <p:nvCxnSpPr>
+            <p:cNvPr id="31" name="Straight Connector 30">
+              <a:extLst>
+                <a:ext uri="{FF2B5EF4-FFF2-40B4-BE49-F238E27FC236}">
+                  <a16:creationId xmlns:a16="http://schemas.microsoft.com/office/drawing/2014/main" id="{B8F53292-712E-48E0-A127-29175492EB5B}"/>
+                </a:ext>
+              </a:extLst>
+            </p:cNvPr>
+            <p:cNvCxnSpPr/>
+            <p:nvPr/>
+          </p:nvCxnSpPr>
+          <p:spPr>
+            <a:xfrm>
+              <a:off x="5527169" y="3854738"/>
+              <a:ext cx="0" cy="369332"/>
+            </a:xfrm>
+            <a:prstGeom prst="line">
+              <a:avLst/>
+            </a:prstGeom>
+            <a:ln w="12700"/>
+          </p:spPr>
+          <p:style>
+            <a:lnRef idx="1">
+              <a:schemeClr val="accent1"/>
+            </a:lnRef>
+            <a:fillRef idx="0">
+              <a:schemeClr val="accent1"/>
+            </a:fillRef>
+            <a:effectRef idx="0">
+              <a:schemeClr val="accent1"/>
+            </a:effectRef>
+            <a:fontRef idx="minor">
+              <a:schemeClr val="tx1"/>
+            </a:fontRef>
+          </p:style>
+        </p:cxnSp>
+      </p:grpSp>
     </p:spTree>
     <p:extLst>
       <p:ext uri="{BB962C8B-B14F-4D97-AF65-F5344CB8AC3E}">
-        <p14:creationId xmlns:p14="http://schemas.microsoft.com/office/powerpoint/2010/main" val="2661043003"/>
+        <p14:creationId xmlns:p14="http://schemas.microsoft.com/office/powerpoint/2010/main" val="3353214031"/>
       </p:ext>
     </p:extLst>
   </p:cSld>
@@ -4926,7 +5496,7 @@
             </a:r>
             <a:r>
               <a:rPr lang="en-US" dirty="0"/>
-              <a:t> - Operators</a:t>
+              <a:t> - Subjects</a:t>
             </a:r>
             <a:endParaRPr lang="nl-NL" dirty="0"/>
           </a:p>
@@ -4955,51 +5525,78 @@
           <a:p>
             <a:r>
               <a:rPr lang="en-US" dirty="0"/>
-              <a:t>Perform operations on observables/streams:</a:t>
+              <a:t>Subjects</a:t>
             </a:r>
           </a:p>
           <a:p>
             <a:pPr lvl="1"/>
             <a:r>
               <a:rPr lang="en-US" dirty="0"/>
-              <a:t>Combinational</a:t>
+              <a:t>“Special observables used for multicasting”</a:t>
             </a:r>
           </a:p>
           <a:p>
             <a:pPr lvl="1"/>
             <a:r>
               <a:rPr lang="en-US" dirty="0"/>
-              <a:t>Creational ( like timer )</a:t>
-            </a:r>
-          </a:p>
-          <a:p>
-            <a:pPr lvl="1"/>
+              <a:t>Several types:</a:t>
+            </a:r>
+          </a:p>
+          <a:p>
+            <a:pPr lvl="2"/>
             <a:r>
               <a:rPr lang="en-US" dirty="0"/>
-              <a:t>Filtering</a:t>
-            </a:r>
-          </a:p>
-          <a:p>
-            <a:pPr lvl="1"/>
+              <a:t>Subject</a:t>
+            </a:r>
+          </a:p>
+          <a:p>
+            <a:pPr lvl="2"/>
+            <a:r>
+              <a:rPr lang="en-US" dirty="0" err="1"/>
+              <a:t>ReplaySubject</a:t>
+            </a:r>
             <a:r>
               <a:rPr lang="en-US" dirty="0"/>
-              <a:t>Transformational</a:t>
-            </a:r>
-          </a:p>
-          <a:p>
-            <a:pPr lvl="1"/>
+              <a:t> </a:t>
+            </a:r>
+            <a:r>
+              <a:rPr lang="en-US" sz="1600" dirty="0"/>
+              <a:t>(last N emitted values)</a:t>
+            </a:r>
+            <a:endParaRPr lang="en-US" dirty="0"/>
+          </a:p>
+          <a:p>
+            <a:pPr lvl="2"/>
+            <a:r>
+              <a:rPr lang="en-US" dirty="0" err="1"/>
+              <a:t>BehaviorSubject</a:t>
+            </a:r>
             <a:r>
               <a:rPr lang="en-US" dirty="0"/>
-              <a:t>Utilities</a:t>
-            </a:r>
-            <a:endParaRPr lang="nl-NL" dirty="0"/>
+              <a:t> </a:t>
+            </a:r>
+            <a:r>
+              <a:rPr lang="en-US" sz="1600" dirty="0"/>
+              <a:t>(last emitted value, with initial seed)</a:t>
+            </a:r>
+          </a:p>
+          <a:p>
+            <a:pPr lvl="2"/>
+            <a:r>
+              <a:rPr lang="en-US" dirty="0" err="1"/>
+              <a:t>AsyncSubject</a:t>
+            </a:r>
+            <a:r>
+              <a:rPr lang="en-US" sz="1600" dirty="0"/>
+              <a:t> (emits last value on complete)</a:t>
+            </a:r>
           </a:p>
         </p:txBody>
       </p:sp>
     </p:spTree>
     <p:extLst>
       <p:ext uri="{BB962C8B-B14F-4D97-AF65-F5344CB8AC3E}">
-        <p14:creationId xmlns:p14="http://schemas.microsoft.com/office/powerpoint/2010/main" val="1404636935"/>
+        <p14:creationId xmlns:p14="http://schemas.microsoft.com/office/powerpoint/2010/main" val="2661043003"/>
       </p:ext>
     </p:extLst>
   </p:cSld>

--- a/Reactive Programming.pptx
+++ b/Reactive Programming.pptx
@@ -273,7 +273,7 @@
           <a:p>
             <a:fld id="{75934EED-E7C0-439C-9F42-70CEC4ABC1D3}" type="datetimeFigureOut">
               <a:rPr lang="nl-NL" smtClean="0"/>
-              <a:t>26-4-2020</a:t>
+              <a:t>28-4-2020</a:t>
             </a:fld>
             <a:endParaRPr lang="nl-NL"/>
           </a:p>
@@ -473,7 +473,7 @@
           <a:p>
             <a:fld id="{75934EED-E7C0-439C-9F42-70CEC4ABC1D3}" type="datetimeFigureOut">
               <a:rPr lang="nl-NL" smtClean="0"/>
-              <a:t>26-4-2020</a:t>
+              <a:t>28-4-2020</a:t>
             </a:fld>
             <a:endParaRPr lang="nl-NL"/>
           </a:p>
@@ -683,7 +683,7 @@
           <a:p>
             <a:fld id="{75934EED-E7C0-439C-9F42-70CEC4ABC1D3}" type="datetimeFigureOut">
               <a:rPr lang="nl-NL" smtClean="0"/>
-              <a:t>26-4-2020</a:t>
+              <a:t>28-4-2020</a:t>
             </a:fld>
             <a:endParaRPr lang="nl-NL"/>
           </a:p>
@@ -883,7 +883,7 @@
           <a:p>
             <a:fld id="{75934EED-E7C0-439C-9F42-70CEC4ABC1D3}" type="datetimeFigureOut">
               <a:rPr lang="nl-NL" smtClean="0"/>
-              <a:t>26-4-2020</a:t>
+              <a:t>28-4-2020</a:t>
             </a:fld>
             <a:endParaRPr lang="nl-NL"/>
           </a:p>
@@ -1159,7 +1159,7 @@
           <a:p>
             <a:fld id="{75934EED-E7C0-439C-9F42-70CEC4ABC1D3}" type="datetimeFigureOut">
               <a:rPr lang="nl-NL" smtClean="0"/>
-              <a:t>26-4-2020</a:t>
+              <a:t>28-4-2020</a:t>
             </a:fld>
             <a:endParaRPr lang="nl-NL"/>
           </a:p>
@@ -1427,7 +1427,7 @@
           <a:p>
             <a:fld id="{75934EED-E7C0-439C-9F42-70CEC4ABC1D3}" type="datetimeFigureOut">
               <a:rPr lang="nl-NL" smtClean="0"/>
-              <a:t>26-4-2020</a:t>
+              <a:t>28-4-2020</a:t>
             </a:fld>
             <a:endParaRPr lang="nl-NL"/>
           </a:p>
@@ -1842,7 +1842,7 @@
           <a:p>
             <a:fld id="{75934EED-E7C0-439C-9F42-70CEC4ABC1D3}" type="datetimeFigureOut">
               <a:rPr lang="nl-NL" smtClean="0"/>
-              <a:t>26-4-2020</a:t>
+              <a:t>28-4-2020</a:t>
             </a:fld>
             <a:endParaRPr lang="nl-NL"/>
           </a:p>
@@ -1984,7 +1984,7 @@
           <a:p>
             <a:fld id="{75934EED-E7C0-439C-9F42-70CEC4ABC1D3}" type="datetimeFigureOut">
               <a:rPr lang="nl-NL" smtClean="0"/>
-              <a:t>26-4-2020</a:t>
+              <a:t>28-4-2020</a:t>
             </a:fld>
             <a:endParaRPr lang="nl-NL"/>
           </a:p>
@@ -2097,7 +2097,7 @@
           <a:p>
             <a:fld id="{75934EED-E7C0-439C-9F42-70CEC4ABC1D3}" type="datetimeFigureOut">
               <a:rPr lang="nl-NL" smtClean="0"/>
-              <a:t>26-4-2020</a:t>
+              <a:t>28-4-2020</a:t>
             </a:fld>
             <a:endParaRPr lang="nl-NL"/>
           </a:p>
@@ -2410,7 +2410,7 @@
           <a:p>
             <a:fld id="{75934EED-E7C0-439C-9F42-70CEC4ABC1D3}" type="datetimeFigureOut">
               <a:rPr lang="nl-NL" smtClean="0"/>
-              <a:t>26-4-2020</a:t>
+              <a:t>28-4-2020</a:t>
             </a:fld>
             <a:endParaRPr lang="nl-NL"/>
           </a:p>
@@ -2699,7 +2699,7 @@
           <a:p>
             <a:fld id="{75934EED-E7C0-439C-9F42-70CEC4ABC1D3}" type="datetimeFigureOut">
               <a:rPr lang="nl-NL" smtClean="0"/>
-              <a:t>26-4-2020</a:t>
+              <a:t>28-4-2020</a:t>
             </a:fld>
             <a:endParaRPr lang="nl-NL"/>
           </a:p>
@@ -2942,7 +2942,7 @@
           <a:p>
             <a:fld id="{75934EED-E7C0-439C-9F42-70CEC4ABC1D3}" type="datetimeFigureOut">
               <a:rPr lang="nl-NL" smtClean="0"/>
-              <a:t>26-4-2020</a:t>
+              <a:t>28-4-2020</a:t>
             </a:fld>
             <a:endParaRPr lang="nl-NL"/>
           </a:p>
@@ -3605,7 +3605,7 @@
             </a:r>
             <a:r>
               <a:rPr lang="en-US" dirty="0"/>
-              <a:t> – Conditional operators</a:t>
+              <a:t> – Combinational operators</a:t>
             </a:r>
             <a:endParaRPr lang="nl-NL" dirty="0"/>
           </a:p>

--- a/Reactive Programming.pptx
+++ b/Reactive Programming.pptx
@@ -273,7 +273,7 @@
           <a:p>
             <a:fld id="{75934EED-E7C0-439C-9F42-70CEC4ABC1D3}" type="datetimeFigureOut">
               <a:rPr lang="nl-NL" smtClean="0"/>
-              <a:t>28-4-2020</a:t>
+              <a:t>29-4-2020</a:t>
             </a:fld>
             <a:endParaRPr lang="nl-NL"/>
           </a:p>
@@ -473,7 +473,7 @@
           <a:p>
             <a:fld id="{75934EED-E7C0-439C-9F42-70CEC4ABC1D3}" type="datetimeFigureOut">
               <a:rPr lang="nl-NL" smtClean="0"/>
-              <a:t>28-4-2020</a:t>
+              <a:t>29-4-2020</a:t>
             </a:fld>
             <a:endParaRPr lang="nl-NL"/>
           </a:p>
@@ -683,7 +683,7 @@
           <a:p>
             <a:fld id="{75934EED-E7C0-439C-9F42-70CEC4ABC1D3}" type="datetimeFigureOut">
               <a:rPr lang="nl-NL" smtClean="0"/>
-              <a:t>28-4-2020</a:t>
+              <a:t>29-4-2020</a:t>
             </a:fld>
             <a:endParaRPr lang="nl-NL"/>
           </a:p>
@@ -883,7 +883,7 @@
           <a:p>
             <a:fld id="{75934EED-E7C0-439C-9F42-70CEC4ABC1D3}" type="datetimeFigureOut">
               <a:rPr lang="nl-NL" smtClean="0"/>
-              <a:t>28-4-2020</a:t>
+              <a:t>29-4-2020</a:t>
             </a:fld>
             <a:endParaRPr lang="nl-NL"/>
           </a:p>
@@ -1159,7 +1159,7 @@
           <a:p>
             <a:fld id="{75934EED-E7C0-439C-9F42-70CEC4ABC1D3}" type="datetimeFigureOut">
               <a:rPr lang="nl-NL" smtClean="0"/>
-              <a:t>28-4-2020</a:t>
+              <a:t>29-4-2020</a:t>
             </a:fld>
             <a:endParaRPr lang="nl-NL"/>
           </a:p>
@@ -1427,7 +1427,7 @@
           <a:p>
             <a:fld id="{75934EED-E7C0-439C-9F42-70CEC4ABC1D3}" type="datetimeFigureOut">
               <a:rPr lang="nl-NL" smtClean="0"/>
-              <a:t>28-4-2020</a:t>
+              <a:t>29-4-2020</a:t>
             </a:fld>
             <a:endParaRPr lang="nl-NL"/>
           </a:p>
@@ -1842,7 +1842,7 @@
           <a:p>
             <a:fld id="{75934EED-E7C0-439C-9F42-70CEC4ABC1D3}" type="datetimeFigureOut">
               <a:rPr lang="nl-NL" smtClean="0"/>
-              <a:t>28-4-2020</a:t>
+              <a:t>29-4-2020</a:t>
             </a:fld>
             <a:endParaRPr lang="nl-NL"/>
           </a:p>
@@ -1984,7 +1984,7 @@
           <a:p>
             <a:fld id="{75934EED-E7C0-439C-9F42-70CEC4ABC1D3}" type="datetimeFigureOut">
               <a:rPr lang="nl-NL" smtClean="0"/>
-              <a:t>28-4-2020</a:t>
+              <a:t>29-4-2020</a:t>
             </a:fld>
             <a:endParaRPr lang="nl-NL"/>
           </a:p>
@@ -2097,7 +2097,7 @@
           <a:p>
             <a:fld id="{75934EED-E7C0-439C-9F42-70CEC4ABC1D3}" type="datetimeFigureOut">
               <a:rPr lang="nl-NL" smtClean="0"/>
-              <a:t>28-4-2020</a:t>
+              <a:t>29-4-2020</a:t>
             </a:fld>
             <a:endParaRPr lang="nl-NL"/>
           </a:p>
@@ -2410,7 +2410,7 @@
           <a:p>
             <a:fld id="{75934EED-E7C0-439C-9F42-70CEC4ABC1D3}" type="datetimeFigureOut">
               <a:rPr lang="nl-NL" smtClean="0"/>
-              <a:t>28-4-2020</a:t>
+              <a:t>29-4-2020</a:t>
             </a:fld>
             <a:endParaRPr lang="nl-NL"/>
           </a:p>
@@ -2699,7 +2699,7 @@
           <a:p>
             <a:fld id="{75934EED-E7C0-439C-9F42-70CEC4ABC1D3}" type="datetimeFigureOut">
               <a:rPr lang="nl-NL" smtClean="0"/>
-              <a:t>28-4-2020</a:t>
+              <a:t>29-4-2020</a:t>
             </a:fld>
             <a:endParaRPr lang="nl-NL"/>
           </a:p>
@@ -2942,7 +2942,7 @@
           <a:p>
             <a:fld id="{75934EED-E7C0-439C-9F42-70CEC4ABC1D3}" type="datetimeFigureOut">
               <a:rPr lang="nl-NL" smtClean="0"/>
-              <a:t>28-4-2020</a:t>
+              <a:t>29-4-2020</a:t>
             </a:fld>
             <a:endParaRPr lang="nl-NL"/>
           </a:p>
@@ -3764,18 +3764,9 @@
           <a:p>
             <a:pPr lvl="1"/>
             <a:r>
-              <a:rPr lang="en-US" dirty="0"/>
+              <a:rPr lang="en-US"/>
               <a:t>Of</a:t>
             </a:r>
-          </a:p>
-          <a:p>
-            <a:pPr lvl="1"/>
-            <a:r>
-              <a:rPr lang="en-US" dirty="0"/>
-              <a:t>Timer</a:t>
-            </a:r>
-          </a:p>
-          <a:p>
             <a:endParaRPr lang="nl-NL" dirty="0"/>
           </a:p>
         </p:txBody>
@@ -4193,7 +4184,7 @@
         <p:spPr/>
         <p:txBody>
           <a:bodyPr>
-            <a:normAutofit/>
+            <a:normAutofit lnSpcReduction="10000"/>
           </a:bodyPr>
           <a:lstStyle/>
           <a:p>
@@ -4230,6 +4221,15 @@
           </a:p>
           <a:p>
             <a:r>
+              <a:rPr lang="en-US" b="1" dirty="0"/>
+              <a:t>Why use ‘Reactive programming’?</a:t>
+            </a:r>
+          </a:p>
+          <a:p>
+            <a:endParaRPr lang="en-US" i="1" dirty="0"/>
+          </a:p>
+          <a:p>
+            <a:r>
               <a:rPr lang="en-US" dirty="0"/>
               <a:t>Key aspects:</a:t>
             </a:r>
@@ -4247,6 +4247,14 @@
               <a:rPr lang="en-US" dirty="0"/>
               <a:t>Asynchronous</a:t>
             </a:r>
+          </a:p>
+          <a:p>
+            <a:pPr lvl="1"/>
+            <a:endParaRPr lang="en-US" dirty="0"/>
+          </a:p>
+          <a:p>
+            <a:pPr lvl="1"/>
+            <a:endParaRPr lang="en-US" dirty="0"/>
           </a:p>
           <a:p>
             <a:endParaRPr lang="en-US" i="1" dirty="0"/>
@@ -4456,6 +4464,15 @@
         <p:txBody>
           <a:bodyPr/>
           <a:lstStyle/>
+          <a:p>
+            <a:r>
+              <a:rPr lang="en-US" dirty="0"/>
+              <a:t>Library for multiple languages</a:t>
+            </a:r>
+          </a:p>
+          <a:p>
+            <a:endParaRPr lang="en-US" dirty="0"/>
+          </a:p>
           <a:p>
             <a:r>
               <a:rPr lang="en-US" dirty="0"/>

--- a/Reactive Programming.pptx
+++ b/Reactive Programming.pptx
@@ -10,18 +10,15 @@
     <p:sldId id="258" r:id="rId4"/>
     <p:sldId id="259" r:id="rId5"/>
     <p:sldId id="270" r:id="rId6"/>
-    <p:sldId id="263" r:id="rId7"/>
-    <p:sldId id="264" r:id="rId8"/>
-    <p:sldId id="260" r:id="rId9"/>
-    <p:sldId id="268" r:id="rId10"/>
-    <p:sldId id="261" r:id="rId11"/>
-    <p:sldId id="262" r:id="rId12"/>
-    <p:sldId id="265" r:id="rId13"/>
-    <p:sldId id="266" r:id="rId14"/>
-    <p:sldId id="267" r:id="rId15"/>
-    <p:sldId id="269" r:id="rId16"/>
-    <p:sldId id="271" r:id="rId17"/>
-    <p:sldId id="272" r:id="rId18"/>
+    <p:sldId id="264" r:id="rId7"/>
+    <p:sldId id="260" r:id="rId8"/>
+    <p:sldId id="268" r:id="rId9"/>
+    <p:sldId id="261" r:id="rId10"/>
+    <p:sldId id="262" r:id="rId11"/>
+    <p:sldId id="269" r:id="rId12"/>
+    <p:sldId id="273" r:id="rId13"/>
+    <p:sldId id="271" r:id="rId14"/>
+    <p:sldId id="272" r:id="rId15"/>
   </p:sldIdLst>
   <p:sldSz cx="12192000" cy="6858000"/>
   <p:notesSz cx="6858000" cy="9144000"/>
@@ -3517,7 +3514,7 @@
           <a:p>
             <a:fld id="{75934EED-E7C0-439C-9F42-70CEC4ABC1D3}" type="datetimeFigureOut">
               <a:rPr lang="nl-NL" smtClean="0"/>
-              <a:t>4-5-2020</a:t>
+              <a:t>10-5-2020</a:t>
             </a:fld>
             <a:endParaRPr lang="nl-NL"/>
           </a:p>
@@ -3829,7 +3826,7 @@
           <a:p>
             <a:fld id="{75934EED-E7C0-439C-9F42-70CEC4ABC1D3}" type="datetimeFigureOut">
               <a:rPr lang="nl-NL" smtClean="0"/>
-              <a:t>4-5-2020</a:t>
+              <a:t>10-5-2020</a:t>
             </a:fld>
             <a:endParaRPr lang="nl-NL"/>
           </a:p>
@@ -4051,7 +4048,7 @@
           <a:p>
             <a:fld id="{75934EED-E7C0-439C-9F42-70CEC4ABC1D3}" type="datetimeFigureOut">
               <a:rPr lang="nl-NL" smtClean="0"/>
-              <a:t>4-5-2020</a:t>
+              <a:t>10-5-2020</a:t>
             </a:fld>
             <a:endParaRPr lang="nl-NL"/>
           </a:p>
@@ -4342,7 +4339,7 @@
           <a:p>
             <a:fld id="{75934EED-E7C0-439C-9F42-70CEC4ABC1D3}" type="datetimeFigureOut">
               <a:rPr lang="nl-NL" smtClean="0"/>
-              <a:t>4-5-2020</a:t>
+              <a:t>10-5-2020</a:t>
             </a:fld>
             <a:endParaRPr lang="nl-NL"/>
           </a:p>
@@ -4796,7 +4793,7 @@
           <a:p>
             <a:fld id="{75934EED-E7C0-439C-9F42-70CEC4ABC1D3}" type="datetimeFigureOut">
               <a:rPr lang="nl-NL" smtClean="0"/>
-              <a:t>4-5-2020</a:t>
+              <a:t>10-5-2020</a:t>
             </a:fld>
             <a:endParaRPr lang="nl-NL"/>
           </a:p>
@@ -5372,7 +5369,7 @@
           <a:p>
             <a:fld id="{75934EED-E7C0-439C-9F42-70CEC4ABC1D3}" type="datetimeFigureOut">
               <a:rPr lang="nl-NL" smtClean="0"/>
-              <a:t>4-5-2020</a:t>
+              <a:t>10-5-2020</a:t>
             </a:fld>
             <a:endParaRPr lang="nl-NL"/>
           </a:p>
@@ -6224,7 +6221,7 @@
           <a:p>
             <a:fld id="{75934EED-E7C0-439C-9F42-70CEC4ABC1D3}" type="datetimeFigureOut">
               <a:rPr lang="nl-NL" smtClean="0"/>
-              <a:t>4-5-2020</a:t>
+              <a:t>10-5-2020</a:t>
             </a:fld>
             <a:endParaRPr lang="nl-NL"/>
           </a:p>
@@ -6429,7 +6426,7 @@
           <a:p>
             <a:fld id="{75934EED-E7C0-439C-9F42-70CEC4ABC1D3}" type="datetimeFigureOut">
               <a:rPr lang="nl-NL" smtClean="0"/>
-              <a:t>4-5-2020</a:t>
+              <a:t>10-5-2020</a:t>
             </a:fld>
             <a:endParaRPr lang="nl-NL"/>
           </a:p>
@@ -6643,7 +6640,7 @@
           <a:p>
             <a:fld id="{75934EED-E7C0-439C-9F42-70CEC4ABC1D3}" type="datetimeFigureOut">
               <a:rPr lang="nl-NL" smtClean="0"/>
-              <a:t>4-5-2020</a:t>
+              <a:t>10-5-2020</a:t>
             </a:fld>
             <a:endParaRPr lang="nl-NL"/>
           </a:p>
@@ -6819,7 +6816,7 @@
           <a:p>
             <a:fld id="{75934EED-E7C0-439C-9F42-70CEC4ABC1D3}" type="datetimeFigureOut">
               <a:rPr lang="nl-NL" smtClean="0"/>
-              <a:t>4-5-2020</a:t>
+              <a:t>10-5-2020</a:t>
             </a:fld>
             <a:endParaRPr lang="nl-NL"/>
           </a:p>
@@ -7024,7 +7021,7 @@
           <a:p>
             <a:fld id="{75934EED-E7C0-439C-9F42-70CEC4ABC1D3}" type="datetimeFigureOut">
               <a:rPr lang="nl-NL" smtClean="0"/>
-              <a:t>4-5-2020</a:t>
+              <a:t>10-5-2020</a:t>
             </a:fld>
             <a:endParaRPr lang="nl-NL"/>
           </a:p>
@@ -7304,7 +7301,7 @@
           <a:p>
             <a:fld id="{75934EED-E7C0-439C-9F42-70CEC4ABC1D3}" type="datetimeFigureOut">
               <a:rPr lang="nl-NL" smtClean="0"/>
-              <a:t>4-5-2020</a:t>
+              <a:t>10-5-2020</a:t>
             </a:fld>
             <a:endParaRPr lang="nl-NL"/>
           </a:p>
@@ -7571,7 +7568,7 @@
           <a:p>
             <a:fld id="{75934EED-E7C0-439C-9F42-70CEC4ABC1D3}" type="datetimeFigureOut">
               <a:rPr lang="nl-NL" smtClean="0"/>
-              <a:t>4-5-2020</a:t>
+              <a:t>10-5-2020</a:t>
             </a:fld>
             <a:endParaRPr lang="nl-NL"/>
           </a:p>
@@ -7986,7 +7983,7 @@
           <a:p>
             <a:fld id="{75934EED-E7C0-439C-9F42-70CEC4ABC1D3}" type="datetimeFigureOut">
               <a:rPr lang="nl-NL" smtClean="0"/>
-              <a:t>4-5-2020</a:t>
+              <a:t>10-5-2020</a:t>
             </a:fld>
             <a:endParaRPr lang="nl-NL"/>
           </a:p>
@@ -8134,7 +8131,7 @@
           <a:p>
             <a:fld id="{75934EED-E7C0-439C-9F42-70CEC4ABC1D3}" type="datetimeFigureOut">
               <a:rPr lang="nl-NL" smtClean="0"/>
-              <a:t>4-5-2020</a:t>
+              <a:t>10-5-2020</a:t>
             </a:fld>
             <a:endParaRPr lang="nl-NL"/>
           </a:p>
@@ -8259,7 +8256,7 @@
           <a:p>
             <a:fld id="{75934EED-E7C0-439C-9F42-70CEC4ABC1D3}" type="datetimeFigureOut">
               <a:rPr lang="nl-NL" smtClean="0"/>
-              <a:t>4-5-2020</a:t>
+              <a:t>10-5-2020</a:t>
             </a:fld>
             <a:endParaRPr lang="nl-NL"/>
           </a:p>
@@ -8538,7 +8535,7 @@
           <a:p>
             <a:fld id="{75934EED-E7C0-439C-9F42-70CEC4ABC1D3}" type="datetimeFigureOut">
               <a:rPr lang="nl-NL" smtClean="0"/>
-              <a:t>4-5-2020</a:t>
+              <a:t>10-5-2020</a:t>
             </a:fld>
             <a:endParaRPr lang="nl-NL"/>
           </a:p>
@@ -8850,7 +8847,7 @@
           <a:p>
             <a:fld id="{75934EED-E7C0-439C-9F42-70CEC4ABC1D3}" type="datetimeFigureOut">
               <a:rPr lang="nl-NL" smtClean="0"/>
-              <a:t>4-5-2020</a:t>
+              <a:t>10-5-2020</a:t>
             </a:fld>
             <a:endParaRPr lang="nl-NL"/>
           </a:p>
@@ -9103,7 +9100,7 @@
           <a:p>
             <a:fld id="{75934EED-E7C0-439C-9F42-70CEC4ABC1D3}" type="datetimeFigureOut">
               <a:rPr lang="nl-NL" smtClean="0"/>
-              <a:t>4-5-2020</a:t>
+              <a:t>10-5-2020</a:t>
             </a:fld>
             <a:endParaRPr lang="nl-NL"/>
           </a:p>
@@ -9667,7 +9664,7 @@
             </a:r>
             <a:r>
               <a:rPr lang="en-US" dirty="0"/>
-              <a:t> - Subjects</a:t>
+              <a:t> - Operators</a:t>
             </a:r>
             <a:endParaRPr lang="nl-NL" dirty="0"/>
           </a:p>
@@ -9696,78 +9693,51 @@
           <a:p>
             <a:r>
               <a:rPr lang="en-US" dirty="0"/>
-              <a:t>Subjects</a:t>
+              <a:t>Perform operations on observables/streams:</a:t>
             </a:r>
           </a:p>
           <a:p>
             <a:pPr lvl="1"/>
             <a:r>
               <a:rPr lang="en-US" dirty="0"/>
-              <a:t>“Special observables used for multicasting”</a:t>
+              <a:t>Combinational</a:t>
             </a:r>
           </a:p>
           <a:p>
             <a:pPr lvl="1"/>
             <a:r>
               <a:rPr lang="en-US" dirty="0"/>
-              <a:t>Several types:</a:t>
-            </a:r>
-          </a:p>
-          <a:p>
-            <a:pPr lvl="2"/>
+              <a:t>Creational ( like timer )</a:t>
+            </a:r>
+          </a:p>
+          <a:p>
+            <a:pPr lvl="1"/>
             <a:r>
               <a:rPr lang="en-US" dirty="0"/>
-              <a:t>Subject</a:t>
-            </a:r>
-          </a:p>
-          <a:p>
-            <a:pPr lvl="2"/>
-            <a:r>
-              <a:rPr lang="en-US" dirty="0" err="1"/>
-              <a:t>ReplaySubject</a:t>
-            </a:r>
+              <a:t>Filtering</a:t>
+            </a:r>
+          </a:p>
+          <a:p>
+            <a:pPr lvl="1"/>
             <a:r>
               <a:rPr lang="en-US" dirty="0"/>
-              <a:t> </a:t>
-            </a:r>
-            <a:r>
-              <a:rPr lang="en-US" sz="1600" dirty="0"/>
-              <a:t>(last N emitted values)</a:t>
-            </a:r>
-            <a:endParaRPr lang="en-US" dirty="0"/>
-          </a:p>
-          <a:p>
-            <a:pPr lvl="2"/>
-            <a:r>
-              <a:rPr lang="en-US" dirty="0" err="1"/>
-              <a:t>BehaviorSubject</a:t>
-            </a:r>
+              <a:t>Transformational</a:t>
+            </a:r>
+          </a:p>
+          <a:p>
+            <a:pPr lvl="1"/>
             <a:r>
               <a:rPr lang="en-US" dirty="0"/>
-              <a:t> </a:t>
-            </a:r>
-            <a:r>
-              <a:rPr lang="en-US" sz="1600" dirty="0"/>
-              <a:t>(last emitted value, with initial seed)</a:t>
-            </a:r>
-          </a:p>
-          <a:p>
-            <a:pPr lvl="2"/>
-            <a:r>
-              <a:rPr lang="en-US" dirty="0" err="1"/>
-              <a:t>AsyncSubject</a:t>
-            </a:r>
-            <a:r>
-              <a:rPr lang="en-US" sz="1600" dirty="0"/>
-              <a:t> (emits last value on complete)</a:t>
-            </a:r>
+              <a:t>Utilities</a:t>
+            </a:r>
+            <a:endParaRPr lang="nl-NL" dirty="0"/>
           </a:p>
         </p:txBody>
       </p:sp>
     </p:spTree>
     <p:extLst>
       <p:ext uri="{BB962C8B-B14F-4D97-AF65-F5344CB8AC3E}">
-        <p14:creationId xmlns:p14="http://schemas.microsoft.com/office/powerpoint/2010/main" val="2661043003"/>
+        <p14:creationId xmlns:p14="http://schemas.microsoft.com/office/powerpoint/2010/main" val="1404636935"/>
       </p:ext>
     </p:extLst>
   </p:cSld>
@@ -9821,7 +9791,7 @@
             </a:r>
             <a:r>
               <a:rPr lang="en-US" dirty="0"/>
-              <a:t> - Operators</a:t>
+              <a:t> – A few pitfalls</a:t>
             </a:r>
             <a:endParaRPr lang="nl-NL" dirty="0"/>
           </a:p>
@@ -9849,44 +9819,67 @@
           <a:lstStyle/>
           <a:p>
             <a:r>
+              <a:rPr lang="en-US" b="1" dirty="0"/>
+              <a:t>Not subscribing </a:t>
+            </a:r>
+            <a:br>
               <a:rPr lang="en-US" dirty="0"/>
-              <a:t>Perform operations on observables/streams:</a:t>
-            </a:r>
+            </a:br>
+            <a:r>
+              <a:rPr lang="en-US" sz="1800" dirty="0"/>
+              <a:t>Result: Nothing gets done</a:t>
+            </a:r>
+            <a:endParaRPr lang="en-US" dirty="0"/>
+          </a:p>
+          <a:p>
+            <a:r>
+              <a:rPr lang="en-US" b="1" dirty="0">
+                <a:sym typeface="Wingdings" panose="05000000000000000000" pitchFamily="2" charset="2"/>
+              </a:rPr>
+              <a:t>Subscribing too late</a:t>
+            </a:r>
+            <a:br>
+              <a:rPr lang="en-US" dirty="0">
+                <a:sym typeface="Wingdings" panose="05000000000000000000" pitchFamily="2" charset="2"/>
+              </a:rPr>
+            </a:br>
+            <a:r>
+              <a:rPr lang="en-US" dirty="0">
+                <a:sym typeface="Wingdings" panose="05000000000000000000" pitchFamily="2" charset="2"/>
+              </a:rPr>
+              <a:t>Result: Not getting the expected data</a:t>
+            </a:r>
+            <a:endParaRPr lang="en-US" b="1" dirty="0">
+              <a:sym typeface="Wingdings" panose="05000000000000000000" pitchFamily="2" charset="2"/>
+            </a:endParaRPr>
+          </a:p>
+          <a:p>
+            <a:r>
+              <a:rPr lang="en-US" b="1" dirty="0">
+                <a:sym typeface="Wingdings" panose="05000000000000000000" pitchFamily="2" charset="2"/>
+              </a:rPr>
+              <a:t>Not unsubscribing</a:t>
+            </a:r>
+            <a:br>
+              <a:rPr lang="en-US" dirty="0">
+                <a:sym typeface="Wingdings" panose="05000000000000000000" pitchFamily="2" charset="2"/>
+              </a:rPr>
+            </a:br>
+            <a:r>
+              <a:rPr lang="en-US" sz="1800" dirty="0">
+                <a:sym typeface="Wingdings" panose="05000000000000000000" pitchFamily="2" charset="2"/>
+              </a:rPr>
+              <a:t>Result: Memory leaks</a:t>
+            </a:r>
+            <a:endParaRPr lang="en-US" dirty="0">
+              <a:sym typeface="Wingdings" panose="05000000000000000000" pitchFamily="2" charset="2"/>
+            </a:endParaRPr>
+          </a:p>
+          <a:p>
+            <a:endParaRPr lang="en-US" dirty="0"/>
           </a:p>
           <a:p>
             <a:pPr lvl="1"/>
-            <a:r>
-              <a:rPr lang="en-US" dirty="0"/>
-              <a:t>Combinational</a:t>
-            </a:r>
-          </a:p>
-          <a:p>
-            <a:pPr lvl="1"/>
-            <a:r>
-              <a:rPr lang="en-US" dirty="0"/>
-              <a:t>Creational ( like timer )</a:t>
-            </a:r>
-          </a:p>
-          <a:p>
-            <a:pPr lvl="1"/>
-            <a:r>
-              <a:rPr lang="en-US" dirty="0"/>
-              <a:t>Filtering</a:t>
-            </a:r>
-          </a:p>
-          <a:p>
-            <a:pPr lvl="1"/>
-            <a:r>
-              <a:rPr lang="en-US" dirty="0"/>
-              <a:t>Transformational</a:t>
-            </a:r>
-          </a:p>
-          <a:p>
-            <a:pPr lvl="1"/>
-            <a:r>
-              <a:rPr lang="en-US" dirty="0"/>
-              <a:t>Utilities</a:t>
-            </a:r>
             <a:endParaRPr lang="nl-NL" dirty="0"/>
           </a:p>
         </p:txBody>
@@ -9894,7 +9887,7 @@
     </p:spTree>
     <p:extLst>
       <p:ext uri="{BB962C8B-B14F-4D97-AF65-F5344CB8AC3E}">
-        <p14:creationId xmlns:p14="http://schemas.microsoft.com/office/powerpoint/2010/main" val="1404636935"/>
+        <p14:creationId xmlns:p14="http://schemas.microsoft.com/office/powerpoint/2010/main" val="855579908"/>
       </p:ext>
     </p:extLst>
   </p:cSld>
@@ -9948,7 +9941,7 @@
             </a:r>
             <a:r>
               <a:rPr lang="en-US" dirty="0"/>
-              <a:t> – Combinational operators</a:t>
+              <a:t> – A few pitfalls</a:t>
             </a:r>
             <a:endParaRPr lang="nl-NL" dirty="0"/>
           </a:p>
@@ -9972,38 +9965,69 @@
         </p:nvSpPr>
         <p:spPr/>
         <p:txBody>
-          <a:bodyPr/>
+          <a:bodyPr>
+            <a:normAutofit/>
+          </a:bodyPr>
           <a:lstStyle/>
           <a:p>
             <a:r>
-              <a:rPr lang="en-US" dirty="0"/>
-              <a:t>We will discuss a few that are often used</a:t>
-            </a:r>
+              <a:rPr lang="en-US" b="1" dirty="0">
+                <a:sym typeface="Wingdings" panose="05000000000000000000" pitchFamily="2" charset="2"/>
+              </a:rPr>
+              <a:t>Not “understanding” the details of an operator</a:t>
+            </a:r>
+            <a:br>
+              <a:rPr lang="en-US" dirty="0">
+                <a:sym typeface="Wingdings" panose="05000000000000000000" pitchFamily="2" charset="2"/>
+              </a:rPr>
+            </a:br>
+            <a:r>
+              <a:rPr lang="en-US" sz="1800" dirty="0">
+                <a:sym typeface="Wingdings" panose="05000000000000000000" pitchFamily="2" charset="2"/>
+              </a:rPr>
+              <a:t>Result: unexpected behavior</a:t>
+            </a:r>
+          </a:p>
+          <a:p>
+            <a:r>
+              <a:rPr lang="en-US" b="1" dirty="0">
+                <a:sym typeface="Wingdings" panose="05000000000000000000" pitchFamily="2" charset="2"/>
+              </a:rPr>
+              <a:t>Not keeping things simple</a:t>
+            </a:r>
+            <a:br>
+              <a:rPr lang="en-US" b="1" dirty="0">
+                <a:sym typeface="Wingdings" panose="05000000000000000000" pitchFamily="2" charset="2"/>
+              </a:rPr>
+            </a:br>
+            <a:r>
+              <a:rPr lang="en-US" sz="1800" dirty="0">
+                <a:sym typeface="Wingdings" panose="05000000000000000000" pitchFamily="2" charset="2"/>
+              </a:rPr>
+              <a:t>Result: A big mess </a:t>
+            </a:r>
+            <a:br>
+              <a:rPr lang="en-US" b="1" dirty="0">
+                <a:sym typeface="Wingdings" panose="05000000000000000000" pitchFamily="2" charset="2"/>
+              </a:rPr>
+            </a:br>
+            <a:endParaRPr lang="en-US" b="1" dirty="0">
+              <a:sym typeface="Wingdings" panose="05000000000000000000" pitchFamily="2" charset="2"/>
+            </a:endParaRPr>
+          </a:p>
+          <a:p>
+            <a:endParaRPr lang="en-US" dirty="0">
+              <a:sym typeface="Wingdings" panose="05000000000000000000" pitchFamily="2" charset="2"/>
+            </a:endParaRPr>
+          </a:p>
+          <a:p>
+            <a:endParaRPr lang="en-US" dirty="0"/>
+          </a:p>
+          <a:p>
+            <a:endParaRPr lang="en-US" dirty="0"/>
           </a:p>
           <a:p>
             <a:pPr lvl="1"/>
-            <a:r>
-              <a:rPr lang="en-US" dirty="0" err="1"/>
-              <a:t>CombineLatest</a:t>
-            </a:r>
-            <a:endParaRPr lang="en-US" dirty="0"/>
-          </a:p>
-          <a:p>
-            <a:pPr lvl="1"/>
-            <a:r>
-              <a:rPr lang="en-US" dirty="0"/>
-              <a:t>Merge</a:t>
-            </a:r>
-          </a:p>
-          <a:p>
-            <a:pPr lvl="1"/>
-            <a:r>
-              <a:rPr lang="en-US" dirty="0" err="1"/>
-              <a:t>WithLatestFrom</a:t>
-            </a:r>
-            <a:endParaRPr lang="en-US" dirty="0"/>
-          </a:p>
-          <a:p>
             <a:endParaRPr lang="nl-NL" dirty="0"/>
           </a:p>
         </p:txBody>
@@ -10011,7 +10035,7 @@
     </p:spTree>
     <p:extLst>
       <p:ext uri="{BB962C8B-B14F-4D97-AF65-F5344CB8AC3E}">
-        <p14:creationId xmlns:p14="http://schemas.microsoft.com/office/powerpoint/2010/main" val="2577770255"/>
+        <p14:creationId xmlns:p14="http://schemas.microsoft.com/office/powerpoint/2010/main" val="723658384"/>
       </p:ext>
     </p:extLst>
   </p:cSld>
@@ -10065,7 +10089,7 @@
             </a:r>
             <a:r>
               <a:rPr lang="en-US" dirty="0"/>
-              <a:t> – Creational operators</a:t>
+              <a:t> – A few Tips</a:t>
             </a:r>
             <a:endParaRPr lang="nl-NL" dirty="0"/>
           </a:p>
@@ -10093,396 +10117,6 @@
           <a:lstStyle/>
           <a:p>
             <a:r>
-              <a:rPr lang="en-US" dirty="0"/>
-              <a:t>We will discuss a few that are often used</a:t>
-            </a:r>
-          </a:p>
-          <a:p>
-            <a:pPr lvl="1"/>
-            <a:r>
-              <a:rPr lang="en-US" dirty="0"/>
-              <a:t>From</a:t>
-            </a:r>
-          </a:p>
-          <a:p>
-            <a:pPr lvl="1"/>
-            <a:r>
-              <a:rPr lang="en-US"/>
-              <a:t>Of</a:t>
-            </a:r>
-            <a:endParaRPr lang="nl-NL" dirty="0"/>
-          </a:p>
-        </p:txBody>
-      </p:sp>
-    </p:spTree>
-    <p:extLst>
-      <p:ext uri="{BB962C8B-B14F-4D97-AF65-F5344CB8AC3E}">
-        <p14:creationId xmlns:p14="http://schemas.microsoft.com/office/powerpoint/2010/main" val="2272762856"/>
-      </p:ext>
-    </p:extLst>
-  </p:cSld>
-  <p:clrMapOvr>
-    <a:masterClrMapping/>
-  </p:clrMapOvr>
-</p:sld>
-</file>
-
-<file path=ppt/slides/slide14.xml><?xml version="1.0" encoding="utf-8"?>
-<p:sld xmlns:a="http://schemas.openxmlformats.org/drawingml/2006/main" xmlns:r="http://schemas.openxmlformats.org/officeDocument/2006/relationships" xmlns:p="http://schemas.openxmlformats.org/presentationml/2006/main">
-  <p:cSld>
-    <p:spTree>
-      <p:nvGrpSpPr>
-        <p:cNvPr id="1" name=""/>
-        <p:cNvGrpSpPr/>
-        <p:nvPr/>
-      </p:nvGrpSpPr>
-      <p:grpSpPr>
-        <a:xfrm>
-          <a:off x="0" y="0"/>
-          <a:ext cx="0" cy="0"/>
-          <a:chOff x="0" y="0"/>
-          <a:chExt cx="0" cy="0"/>
-        </a:xfrm>
-      </p:grpSpPr>
-      <p:sp>
-        <p:nvSpPr>
-          <p:cNvPr id="2" name="Title 1">
-            <a:extLst>
-              <a:ext uri="{FF2B5EF4-FFF2-40B4-BE49-F238E27FC236}">
-                <a16:creationId xmlns:a16="http://schemas.microsoft.com/office/drawing/2014/main" id="{142B161C-E1D3-4329-8343-2577BC53FF87}"/>
-              </a:ext>
-            </a:extLst>
-          </p:cNvPr>
-          <p:cNvSpPr>
-            <a:spLocks noGrp="1"/>
-          </p:cNvSpPr>
-          <p:nvPr>
-            <p:ph type="title"/>
-          </p:nvPr>
-        </p:nvSpPr>
-        <p:spPr/>
-        <p:txBody>
-          <a:bodyPr/>
-          <a:lstStyle/>
-          <a:p>
-            <a:r>
-              <a:rPr lang="en-US" dirty="0" err="1"/>
-              <a:t>RxJS</a:t>
-            </a:r>
-            <a:r>
-              <a:rPr lang="en-US" dirty="0"/>
-              <a:t> – Filtering operators</a:t>
-            </a:r>
-            <a:endParaRPr lang="nl-NL" dirty="0"/>
-          </a:p>
-        </p:txBody>
-      </p:sp>
-      <p:sp>
-        <p:nvSpPr>
-          <p:cNvPr id="3" name="Content Placeholder 2">
-            <a:extLst>
-              <a:ext uri="{FF2B5EF4-FFF2-40B4-BE49-F238E27FC236}">
-                <a16:creationId xmlns:a16="http://schemas.microsoft.com/office/drawing/2014/main" id="{C90A967C-091E-446E-A3BC-DB667D44AF18}"/>
-              </a:ext>
-            </a:extLst>
-          </p:cNvPr>
-          <p:cNvSpPr>
-            <a:spLocks noGrp="1"/>
-          </p:cNvSpPr>
-          <p:nvPr>
-            <p:ph idx="1"/>
-          </p:nvPr>
-        </p:nvSpPr>
-        <p:spPr/>
-        <p:txBody>
-          <a:bodyPr/>
-          <a:lstStyle/>
-          <a:p>
-            <a:r>
-              <a:rPr lang="en-US" dirty="0"/>
-              <a:t>We will discuss a few that are often used</a:t>
-            </a:r>
-          </a:p>
-          <a:p>
-            <a:pPr lvl="1"/>
-            <a:r>
-              <a:rPr lang="en-US" dirty="0" err="1"/>
-              <a:t>DebounceTime</a:t>
-            </a:r>
-            <a:endParaRPr lang="en-US" dirty="0"/>
-          </a:p>
-          <a:p>
-            <a:pPr lvl="1"/>
-            <a:r>
-              <a:rPr lang="en-US" dirty="0" err="1"/>
-              <a:t>DistinctUntillChanged</a:t>
-            </a:r>
-            <a:endParaRPr lang="en-US" dirty="0"/>
-          </a:p>
-          <a:p>
-            <a:pPr lvl="1"/>
-            <a:r>
-              <a:rPr lang="en-US" dirty="0"/>
-              <a:t>Filter</a:t>
-            </a:r>
-          </a:p>
-          <a:p>
-            <a:pPr lvl="1"/>
-            <a:r>
-              <a:rPr lang="en-US" dirty="0"/>
-              <a:t>Take</a:t>
-            </a:r>
-          </a:p>
-          <a:p>
-            <a:endParaRPr lang="nl-NL" dirty="0"/>
-          </a:p>
-        </p:txBody>
-      </p:sp>
-    </p:spTree>
-    <p:extLst>
-      <p:ext uri="{BB962C8B-B14F-4D97-AF65-F5344CB8AC3E}">
-        <p14:creationId xmlns:p14="http://schemas.microsoft.com/office/powerpoint/2010/main" val="1004494384"/>
-      </p:ext>
-    </p:extLst>
-  </p:cSld>
-  <p:clrMapOvr>
-    <a:masterClrMapping/>
-  </p:clrMapOvr>
-</p:sld>
-</file>
-
-<file path=ppt/slides/slide15.xml><?xml version="1.0" encoding="utf-8"?>
-<p:sld xmlns:a="http://schemas.openxmlformats.org/drawingml/2006/main" xmlns:r="http://schemas.openxmlformats.org/officeDocument/2006/relationships" xmlns:p="http://schemas.openxmlformats.org/presentationml/2006/main">
-  <p:cSld>
-    <p:spTree>
-      <p:nvGrpSpPr>
-        <p:cNvPr id="1" name=""/>
-        <p:cNvGrpSpPr/>
-        <p:nvPr/>
-      </p:nvGrpSpPr>
-      <p:grpSpPr>
-        <a:xfrm>
-          <a:off x="0" y="0"/>
-          <a:ext cx="0" cy="0"/>
-          <a:chOff x="0" y="0"/>
-          <a:chExt cx="0" cy="0"/>
-        </a:xfrm>
-      </p:grpSpPr>
-      <p:sp>
-        <p:nvSpPr>
-          <p:cNvPr id="2" name="Title 1">
-            <a:extLst>
-              <a:ext uri="{FF2B5EF4-FFF2-40B4-BE49-F238E27FC236}">
-                <a16:creationId xmlns:a16="http://schemas.microsoft.com/office/drawing/2014/main" id="{142B161C-E1D3-4329-8343-2577BC53FF87}"/>
-              </a:ext>
-            </a:extLst>
-          </p:cNvPr>
-          <p:cNvSpPr>
-            <a:spLocks noGrp="1"/>
-          </p:cNvSpPr>
-          <p:nvPr>
-            <p:ph type="title"/>
-          </p:nvPr>
-        </p:nvSpPr>
-        <p:spPr/>
-        <p:txBody>
-          <a:bodyPr/>
-          <a:lstStyle/>
-          <a:p>
-            <a:r>
-              <a:rPr lang="en-US" dirty="0" err="1"/>
-              <a:t>RxJS</a:t>
-            </a:r>
-            <a:r>
-              <a:rPr lang="en-US" dirty="0"/>
-              <a:t> – A few pitfalls</a:t>
-            </a:r>
-            <a:endParaRPr lang="nl-NL" dirty="0"/>
-          </a:p>
-        </p:txBody>
-      </p:sp>
-      <p:sp>
-        <p:nvSpPr>
-          <p:cNvPr id="3" name="Content Placeholder 2">
-            <a:extLst>
-              <a:ext uri="{FF2B5EF4-FFF2-40B4-BE49-F238E27FC236}">
-                <a16:creationId xmlns:a16="http://schemas.microsoft.com/office/drawing/2014/main" id="{C90A967C-091E-446E-A3BC-DB667D44AF18}"/>
-              </a:ext>
-            </a:extLst>
-          </p:cNvPr>
-          <p:cNvSpPr>
-            <a:spLocks noGrp="1"/>
-          </p:cNvSpPr>
-          <p:nvPr>
-            <p:ph idx="1"/>
-          </p:nvPr>
-        </p:nvSpPr>
-        <p:spPr/>
-        <p:txBody>
-          <a:bodyPr/>
-          <a:lstStyle/>
-          <a:p>
-            <a:r>
-              <a:rPr lang="en-US" dirty="0"/>
-              <a:t>Not subscribing </a:t>
-            </a:r>
-            <a:r>
-              <a:rPr lang="en-US" dirty="0">
-                <a:sym typeface="Wingdings" panose="05000000000000000000" pitchFamily="2" charset="2"/>
-              </a:rPr>
-              <a:t></a:t>
-            </a:r>
-            <a:r>
-              <a:rPr lang="en-US" dirty="0"/>
-              <a:t> Nothing gets done</a:t>
-            </a:r>
-          </a:p>
-          <a:p>
-            <a:r>
-              <a:rPr lang="en-US" dirty="0"/>
-              <a:t>Not sharing an observable </a:t>
-            </a:r>
-            <a:r>
-              <a:rPr lang="en-US" dirty="0">
-                <a:sym typeface="Wingdings" panose="05000000000000000000" pitchFamily="2" charset="2"/>
-              </a:rPr>
-              <a:t> Too much get’s done</a:t>
-            </a:r>
-          </a:p>
-          <a:p>
-            <a:r>
-              <a:rPr lang="en-US" dirty="0">
-                <a:sym typeface="Wingdings" panose="05000000000000000000" pitchFamily="2" charset="2"/>
-              </a:rPr>
-              <a:t>Not unsubscribing</a:t>
-            </a:r>
-          </a:p>
-          <a:p>
-            <a:r>
-              <a:rPr lang="en-US" dirty="0">
-                <a:sym typeface="Wingdings" panose="05000000000000000000" pitchFamily="2" charset="2"/>
-              </a:rPr>
-              <a:t>Subscribing too late</a:t>
-            </a:r>
-          </a:p>
-          <a:p>
-            <a:r>
-              <a:rPr lang="en-US" dirty="0">
-                <a:sym typeface="Wingdings" panose="05000000000000000000" pitchFamily="2" charset="2"/>
-              </a:rPr>
-              <a:t>Not “understanding” the details of an operator</a:t>
-            </a:r>
-          </a:p>
-          <a:p>
-            <a:r>
-              <a:rPr lang="en-US" dirty="0">
-                <a:sym typeface="Wingdings" panose="05000000000000000000" pitchFamily="2" charset="2"/>
-              </a:rPr>
-              <a:t>Not keeping things simple</a:t>
-            </a:r>
-          </a:p>
-          <a:p>
-            <a:endParaRPr lang="en-US" dirty="0">
-              <a:sym typeface="Wingdings" panose="05000000000000000000" pitchFamily="2" charset="2"/>
-            </a:endParaRPr>
-          </a:p>
-          <a:p>
-            <a:endParaRPr lang="en-US" dirty="0"/>
-          </a:p>
-          <a:p>
-            <a:endParaRPr lang="en-US" dirty="0"/>
-          </a:p>
-          <a:p>
-            <a:pPr lvl="1"/>
-            <a:endParaRPr lang="nl-NL" dirty="0"/>
-          </a:p>
-        </p:txBody>
-      </p:sp>
-    </p:spTree>
-    <p:extLst>
-      <p:ext uri="{BB962C8B-B14F-4D97-AF65-F5344CB8AC3E}">
-        <p14:creationId xmlns:p14="http://schemas.microsoft.com/office/powerpoint/2010/main" val="855579908"/>
-      </p:ext>
-    </p:extLst>
-  </p:cSld>
-  <p:clrMapOvr>
-    <a:masterClrMapping/>
-  </p:clrMapOvr>
-</p:sld>
-</file>
-
-<file path=ppt/slides/slide16.xml><?xml version="1.0" encoding="utf-8"?>
-<p:sld xmlns:a="http://schemas.openxmlformats.org/drawingml/2006/main" xmlns:r="http://schemas.openxmlformats.org/officeDocument/2006/relationships" xmlns:p="http://schemas.openxmlformats.org/presentationml/2006/main">
-  <p:cSld>
-    <p:spTree>
-      <p:nvGrpSpPr>
-        <p:cNvPr id="1" name=""/>
-        <p:cNvGrpSpPr/>
-        <p:nvPr/>
-      </p:nvGrpSpPr>
-      <p:grpSpPr>
-        <a:xfrm>
-          <a:off x="0" y="0"/>
-          <a:ext cx="0" cy="0"/>
-          <a:chOff x="0" y="0"/>
-          <a:chExt cx="0" cy="0"/>
-        </a:xfrm>
-      </p:grpSpPr>
-      <p:sp>
-        <p:nvSpPr>
-          <p:cNvPr id="2" name="Title 1">
-            <a:extLst>
-              <a:ext uri="{FF2B5EF4-FFF2-40B4-BE49-F238E27FC236}">
-                <a16:creationId xmlns:a16="http://schemas.microsoft.com/office/drawing/2014/main" id="{142B161C-E1D3-4329-8343-2577BC53FF87}"/>
-              </a:ext>
-            </a:extLst>
-          </p:cNvPr>
-          <p:cNvSpPr>
-            <a:spLocks noGrp="1"/>
-          </p:cNvSpPr>
-          <p:nvPr>
-            <p:ph type="title"/>
-          </p:nvPr>
-        </p:nvSpPr>
-        <p:spPr/>
-        <p:txBody>
-          <a:bodyPr/>
-          <a:lstStyle/>
-          <a:p>
-            <a:r>
-              <a:rPr lang="en-US" dirty="0" err="1"/>
-              <a:t>RxJS</a:t>
-            </a:r>
-            <a:r>
-              <a:rPr lang="en-US" dirty="0"/>
-              <a:t> – A few Tips</a:t>
-            </a:r>
-            <a:endParaRPr lang="nl-NL" dirty="0"/>
-          </a:p>
-        </p:txBody>
-      </p:sp>
-      <p:sp>
-        <p:nvSpPr>
-          <p:cNvPr id="3" name="Content Placeholder 2">
-            <a:extLst>
-              <a:ext uri="{FF2B5EF4-FFF2-40B4-BE49-F238E27FC236}">
-                <a16:creationId xmlns:a16="http://schemas.microsoft.com/office/drawing/2014/main" id="{C90A967C-091E-446E-A3BC-DB667D44AF18}"/>
-              </a:ext>
-            </a:extLst>
-          </p:cNvPr>
-          <p:cNvSpPr>
-            <a:spLocks noGrp="1"/>
-          </p:cNvSpPr>
-          <p:nvPr>
-            <p:ph idx="1"/>
-          </p:nvPr>
-        </p:nvSpPr>
-        <p:spPr/>
-        <p:txBody>
-          <a:bodyPr/>
-          <a:lstStyle/>
-          <a:p>
-            <a:r>
               <a:rPr lang="en-US" dirty="0">
                 <a:sym typeface="Wingdings" panose="05000000000000000000" pitchFamily="2" charset="2"/>
               </a:rPr>
@@ -10511,6 +10145,14 @@
                 <a:sym typeface="Wingdings" panose="05000000000000000000" pitchFamily="2" charset="2"/>
               </a:rPr>
               <a:t>Don’t use observables for everything!</a:t>
+            </a:r>
+          </a:p>
+          <a:p>
+            <a:r>
+              <a:rPr lang="en-US" dirty="0">
+                <a:sym typeface="Wingdings" panose="05000000000000000000" pitchFamily="2" charset="2"/>
+              </a:rPr>
+              <a:t>Use “Tap”-operator for debugging</a:t>
             </a:r>
           </a:p>
           <a:p>
@@ -10543,7 +10185,7 @@
 </p:sld>
 </file>
 
-<file path=ppt/slides/slide17.xml><?xml version="1.0" encoding="utf-8"?>
+<file path=ppt/slides/slide14.xml><?xml version="1.0" encoding="utf-8"?>
 <p:sld xmlns:a="http://schemas.openxmlformats.org/drawingml/2006/main" xmlns:r="http://schemas.openxmlformats.org/officeDocument/2006/relationships" xmlns:p="http://schemas.openxmlformats.org/presentationml/2006/main">
   <p:cSld>
     <p:spTree>
@@ -11444,6 +11086,49 @@
             <a:pPr lvl="1"/>
             <a:endParaRPr lang="en-US" i="1" dirty="0"/>
           </a:p>
+          <a:p>
+            <a:r>
+              <a:rPr lang="en-US" i="1" dirty="0"/>
+              <a:t>Where can it be used:</a:t>
+            </a:r>
+          </a:p>
+          <a:p>
+            <a:pPr lvl="1"/>
+            <a:r>
+              <a:rPr lang="en-US" i="1" dirty="0"/>
+              <a:t>Angular (</a:t>
+            </a:r>
+            <a:r>
+              <a:rPr lang="en-US" i="1" dirty="0" err="1"/>
+              <a:t>RXjs</a:t>
+            </a:r>
+            <a:r>
+              <a:rPr lang="en-US" i="1" dirty="0"/>
+              <a:t>)</a:t>
+            </a:r>
+          </a:p>
+          <a:p>
+            <a:pPr lvl="1"/>
+            <a:r>
+              <a:rPr lang="en-US" i="1" dirty="0"/>
+              <a:t>Kafka streams (Reactive </a:t>
+            </a:r>
+            <a:r>
+              <a:rPr lang="en-US" i="1" dirty="0" err="1"/>
+              <a:t>api’s</a:t>
+            </a:r>
+            <a:r>
+              <a:rPr lang="en-US" i="1" dirty="0"/>
+              <a:t>)</a:t>
+            </a:r>
+          </a:p>
+          <a:p>
+            <a:pPr lvl="1"/>
+            <a:r>
+              <a:rPr lang="en-US" i="1" dirty="0"/>
+              <a:t>Microservices</a:t>
+            </a:r>
+          </a:p>
         </p:txBody>
       </p:sp>
     </p:spTree>
@@ -11481,121 +11166,6 @@
           <p:cNvPr id="2" name="Title 1">
             <a:extLst>
               <a:ext uri="{FF2B5EF4-FFF2-40B4-BE49-F238E27FC236}">
-                <a16:creationId xmlns:a16="http://schemas.microsoft.com/office/drawing/2014/main" id="{D1647982-D953-4479-939F-4B5E07B0919F}"/>
-              </a:ext>
-            </a:extLst>
-          </p:cNvPr>
-          <p:cNvSpPr>
-            <a:spLocks noGrp="1"/>
-          </p:cNvSpPr>
-          <p:nvPr>
-            <p:ph type="title"/>
-          </p:nvPr>
-        </p:nvSpPr>
-        <p:spPr/>
-        <p:txBody>
-          <a:bodyPr/>
-          <a:lstStyle/>
-          <a:p>
-            <a:r>
-              <a:rPr lang="en-US" dirty="0"/>
-              <a:t>Reactive programming</a:t>
-            </a:r>
-            <a:endParaRPr lang="nl-NL" dirty="0"/>
-          </a:p>
-        </p:txBody>
-      </p:sp>
-      <p:sp>
-        <p:nvSpPr>
-          <p:cNvPr id="3" name="Content Placeholder 2">
-            <a:extLst>
-              <a:ext uri="{FF2B5EF4-FFF2-40B4-BE49-F238E27FC236}">
-                <a16:creationId xmlns:a16="http://schemas.microsoft.com/office/drawing/2014/main" id="{F821FE69-FC15-4BB7-B3D0-353524FA53EC}"/>
-              </a:ext>
-            </a:extLst>
-          </p:cNvPr>
-          <p:cNvSpPr>
-            <a:spLocks noGrp="1"/>
-          </p:cNvSpPr>
-          <p:nvPr>
-            <p:ph idx="1"/>
-          </p:nvPr>
-        </p:nvSpPr>
-        <p:spPr/>
-        <p:txBody>
-          <a:bodyPr/>
-          <a:lstStyle/>
-          <a:p>
-            <a:r>
-              <a:rPr lang="en-US" dirty="0"/>
-              <a:t>Angular (</a:t>
-            </a:r>
-            <a:r>
-              <a:rPr lang="en-US" dirty="0" err="1"/>
-              <a:t>RxJS</a:t>
-            </a:r>
-            <a:r>
-              <a:rPr lang="en-US" dirty="0"/>
-              <a:t>)</a:t>
-            </a:r>
-          </a:p>
-          <a:p>
-            <a:r>
-              <a:rPr lang="en-US" dirty="0"/>
-              <a:t>Kafka Streams (reactive </a:t>
-            </a:r>
-            <a:r>
-              <a:rPr lang="en-US" dirty="0" err="1"/>
-              <a:t>api’s</a:t>
-            </a:r>
-            <a:r>
-              <a:rPr lang="en-US" dirty="0"/>
-              <a:t>)</a:t>
-            </a:r>
-          </a:p>
-          <a:p>
-            <a:r>
-              <a:rPr lang="nl-NL" dirty="0"/>
-              <a:t>Microservices</a:t>
-            </a:r>
-          </a:p>
-        </p:txBody>
-      </p:sp>
-    </p:spTree>
-    <p:extLst>
-      <p:ext uri="{BB962C8B-B14F-4D97-AF65-F5344CB8AC3E}">
-        <p14:creationId xmlns:p14="http://schemas.microsoft.com/office/powerpoint/2010/main" val="1609736324"/>
-      </p:ext>
-    </p:extLst>
-  </p:cSld>
-  <p:clrMapOvr>
-    <a:masterClrMapping/>
-  </p:clrMapOvr>
-</p:sld>
-</file>
-
-<file path=ppt/slides/slide7.xml><?xml version="1.0" encoding="utf-8"?>
-<p:sld xmlns:a="http://schemas.openxmlformats.org/drawingml/2006/main" xmlns:r="http://schemas.openxmlformats.org/officeDocument/2006/relationships" xmlns:p="http://schemas.openxmlformats.org/presentationml/2006/main">
-  <p:cSld>
-    <p:spTree>
-      <p:nvGrpSpPr>
-        <p:cNvPr id="1" name=""/>
-        <p:cNvGrpSpPr/>
-        <p:nvPr/>
-      </p:nvGrpSpPr>
-      <p:grpSpPr>
-        <a:xfrm>
-          <a:off x="0" y="0"/>
-          <a:ext cx="0" cy="0"/>
-          <a:chOff x="0" y="0"/>
-          <a:chExt cx="0" cy="0"/>
-        </a:xfrm>
-      </p:grpSpPr>
-      <p:sp>
-        <p:nvSpPr>
-          <p:cNvPr id="2" name="Title 1">
-            <a:extLst>
-              <a:ext uri="{FF2B5EF4-FFF2-40B4-BE49-F238E27FC236}">
                 <a16:creationId xmlns:a16="http://schemas.microsoft.com/office/drawing/2014/main" id="{CEF49B7C-D1C6-454A-931C-A69392C2ECC8}"/>
               </a:ext>
             </a:extLst>
@@ -11636,10 +11206,15 @@
             <p:ph idx="1"/>
           </p:nvPr>
         </p:nvSpPr>
-        <p:spPr/>
+        <p:spPr>
+          <a:xfrm>
+            <a:off x="913775" y="2367093"/>
+            <a:ext cx="10364452" cy="3424107"/>
+          </a:xfrm>
+        </p:spPr>
         <p:txBody>
           <a:bodyPr>
-            <a:normAutofit fontScale="70000" lnSpcReduction="20000"/>
+            <a:normAutofit fontScale="92500" lnSpcReduction="10000"/>
           </a:bodyPr>
           <a:lstStyle/>
           <a:p>
@@ -11649,9 +11224,6 @@
             </a:r>
           </a:p>
           <a:p>
-            <a:endParaRPr lang="en-US" dirty="0"/>
-          </a:p>
-          <a:p>
             <a:r>
               <a:rPr lang="en-US" dirty="0"/>
               <a:t>We will discuss</a:t>
@@ -11677,9 +11249,6 @@
               <a:rPr lang="en-US" dirty="0"/>
               <a:t>Operators</a:t>
             </a:r>
-            <a:endParaRPr lang="nl-NL" dirty="0"/>
-          </a:p>
-          <a:p>
             <a:endParaRPr lang="nl-NL" dirty="0"/>
           </a:p>
           <a:p>
@@ -11774,7 +11343,7 @@
 </p:sld>
 </file>
 
-<file path=ppt/slides/slide8.xml><?xml version="1.0" encoding="utf-8"?>
+<file path=ppt/slides/slide7.xml><?xml version="1.0" encoding="utf-8"?>
 <p:sld xmlns:a="http://schemas.openxmlformats.org/drawingml/2006/main" xmlns:r="http://schemas.openxmlformats.org/officeDocument/2006/relationships" xmlns:p="http://schemas.openxmlformats.org/presentationml/2006/main">
   <p:cSld>
     <p:spTree>
@@ -12106,7 +11675,7 @@
 </p:sld>
 </file>
 
-<file path=ppt/slides/slide9.xml><?xml version="1.0" encoding="utf-8"?>
+<file path=ppt/slides/slide8.xml><?xml version="1.0" encoding="utf-8"?>
 <p:sld xmlns:a="http://schemas.openxmlformats.org/drawingml/2006/main" xmlns:r="http://schemas.openxmlformats.org/officeDocument/2006/relationships" xmlns:p="http://schemas.openxmlformats.org/presentationml/2006/main">
   <p:cSld>
     <p:spTree>
@@ -12702,6 +12271,152 @@
 </p:sld>
 </file>
 
+<file path=ppt/slides/slide9.xml><?xml version="1.0" encoding="utf-8"?>
+<p:sld xmlns:a="http://schemas.openxmlformats.org/drawingml/2006/main" xmlns:r="http://schemas.openxmlformats.org/officeDocument/2006/relationships" xmlns:p="http://schemas.openxmlformats.org/presentationml/2006/main">
+  <p:cSld>
+    <p:spTree>
+      <p:nvGrpSpPr>
+        <p:cNvPr id="1" name=""/>
+        <p:cNvGrpSpPr/>
+        <p:nvPr/>
+      </p:nvGrpSpPr>
+      <p:grpSpPr>
+        <a:xfrm>
+          <a:off x="0" y="0"/>
+          <a:ext cx="0" cy="0"/>
+          <a:chOff x="0" y="0"/>
+          <a:chExt cx="0" cy="0"/>
+        </a:xfrm>
+      </p:grpSpPr>
+      <p:sp>
+        <p:nvSpPr>
+          <p:cNvPr id="2" name="Title 1">
+            <a:extLst>
+              <a:ext uri="{FF2B5EF4-FFF2-40B4-BE49-F238E27FC236}">
+                <a16:creationId xmlns:a16="http://schemas.microsoft.com/office/drawing/2014/main" id="{142B161C-E1D3-4329-8343-2577BC53FF87}"/>
+              </a:ext>
+            </a:extLst>
+          </p:cNvPr>
+          <p:cNvSpPr>
+            <a:spLocks noGrp="1"/>
+          </p:cNvSpPr>
+          <p:nvPr>
+            <p:ph type="title"/>
+          </p:nvPr>
+        </p:nvSpPr>
+        <p:spPr/>
+        <p:txBody>
+          <a:bodyPr/>
+          <a:lstStyle/>
+          <a:p>
+            <a:r>
+              <a:rPr lang="en-US" dirty="0" err="1"/>
+              <a:t>RxJS</a:t>
+            </a:r>
+            <a:r>
+              <a:rPr lang="en-US" dirty="0"/>
+              <a:t> - Subjects</a:t>
+            </a:r>
+            <a:endParaRPr lang="nl-NL" dirty="0"/>
+          </a:p>
+        </p:txBody>
+      </p:sp>
+      <p:sp>
+        <p:nvSpPr>
+          <p:cNvPr id="3" name="Content Placeholder 2">
+            <a:extLst>
+              <a:ext uri="{FF2B5EF4-FFF2-40B4-BE49-F238E27FC236}">
+                <a16:creationId xmlns:a16="http://schemas.microsoft.com/office/drawing/2014/main" id="{C90A967C-091E-446E-A3BC-DB667D44AF18}"/>
+              </a:ext>
+            </a:extLst>
+          </p:cNvPr>
+          <p:cNvSpPr>
+            <a:spLocks noGrp="1"/>
+          </p:cNvSpPr>
+          <p:nvPr>
+            <p:ph idx="1"/>
+          </p:nvPr>
+        </p:nvSpPr>
+        <p:spPr/>
+        <p:txBody>
+          <a:bodyPr/>
+          <a:lstStyle/>
+          <a:p>
+            <a:r>
+              <a:rPr lang="en-US" dirty="0"/>
+              <a:t>Subjects</a:t>
+            </a:r>
+          </a:p>
+          <a:p>
+            <a:pPr lvl="1"/>
+            <a:r>
+              <a:rPr lang="en-US" dirty="0"/>
+              <a:t>“Special observables used for multicasting”</a:t>
+            </a:r>
+          </a:p>
+          <a:p>
+            <a:pPr lvl="1"/>
+            <a:r>
+              <a:rPr lang="en-US" dirty="0"/>
+              <a:t>Several types:</a:t>
+            </a:r>
+          </a:p>
+          <a:p>
+            <a:pPr lvl="2"/>
+            <a:r>
+              <a:rPr lang="en-US" dirty="0"/>
+              <a:t>Subject</a:t>
+            </a:r>
+          </a:p>
+          <a:p>
+            <a:pPr lvl="2"/>
+            <a:r>
+              <a:rPr lang="en-US" dirty="0"/>
+              <a:t>Replay-Subject </a:t>
+            </a:r>
+            <a:r>
+              <a:rPr lang="en-US" sz="1600" dirty="0"/>
+              <a:t>(last N emitted values)</a:t>
+            </a:r>
+            <a:endParaRPr lang="en-US" dirty="0"/>
+          </a:p>
+          <a:p>
+            <a:pPr lvl="2"/>
+            <a:r>
+              <a:rPr lang="en-US" dirty="0"/>
+              <a:t>Behavior-Subject </a:t>
+            </a:r>
+            <a:r>
+              <a:rPr lang="en-US" sz="1600" dirty="0"/>
+              <a:t>(last emitted value, with initial seed)</a:t>
+            </a:r>
+          </a:p>
+          <a:p>
+            <a:pPr lvl="2"/>
+            <a:r>
+              <a:rPr lang="en-US" dirty="0"/>
+              <a:t>Async-Subject</a:t>
+            </a:r>
+            <a:r>
+              <a:rPr lang="en-US" sz="1600" dirty="0"/>
+              <a:t> (emits last value on complete)</a:t>
+            </a:r>
+          </a:p>
+        </p:txBody>
+      </p:sp>
+    </p:spTree>
+    <p:extLst>
+      <p:ext uri="{BB962C8B-B14F-4D97-AF65-F5344CB8AC3E}">
+        <p14:creationId xmlns:p14="http://schemas.microsoft.com/office/powerpoint/2010/main" val="2661043003"/>
+      </p:ext>
+    </p:extLst>
+  </p:cSld>
+  <p:clrMapOvr>
+    <a:masterClrMapping/>
+  </p:clrMapOvr>
+</p:sld>
+</file>
+
 <file path=ppt/theme/theme1.xml><?xml version="1.0" encoding="utf-8"?>
 <a:theme xmlns:a="http://schemas.openxmlformats.org/drawingml/2006/main" name="Droplet">
   <a:themeElements>

--- a/Reactive Programming.pptx
+++ b/Reactive Programming.pptx
@@ -3514,7 +3514,7 @@
           <a:p>
             <a:fld id="{75934EED-E7C0-439C-9F42-70CEC4ABC1D3}" type="datetimeFigureOut">
               <a:rPr lang="nl-NL" smtClean="0"/>
-              <a:t>10-5-2020</a:t>
+              <a:t>25-5-2020</a:t>
             </a:fld>
             <a:endParaRPr lang="nl-NL"/>
           </a:p>
@@ -3826,7 +3826,7 @@
           <a:p>
             <a:fld id="{75934EED-E7C0-439C-9F42-70CEC4ABC1D3}" type="datetimeFigureOut">
               <a:rPr lang="nl-NL" smtClean="0"/>
-              <a:t>10-5-2020</a:t>
+              <a:t>25-5-2020</a:t>
             </a:fld>
             <a:endParaRPr lang="nl-NL"/>
           </a:p>
@@ -4048,7 +4048,7 @@
           <a:p>
             <a:fld id="{75934EED-E7C0-439C-9F42-70CEC4ABC1D3}" type="datetimeFigureOut">
               <a:rPr lang="nl-NL" smtClean="0"/>
-              <a:t>10-5-2020</a:t>
+              <a:t>25-5-2020</a:t>
             </a:fld>
             <a:endParaRPr lang="nl-NL"/>
           </a:p>
@@ -4339,7 +4339,7 @@
           <a:p>
             <a:fld id="{75934EED-E7C0-439C-9F42-70CEC4ABC1D3}" type="datetimeFigureOut">
               <a:rPr lang="nl-NL" smtClean="0"/>
-              <a:t>10-5-2020</a:t>
+              <a:t>25-5-2020</a:t>
             </a:fld>
             <a:endParaRPr lang="nl-NL"/>
           </a:p>
@@ -4793,7 +4793,7 @@
           <a:p>
             <a:fld id="{75934EED-E7C0-439C-9F42-70CEC4ABC1D3}" type="datetimeFigureOut">
               <a:rPr lang="nl-NL" smtClean="0"/>
-              <a:t>10-5-2020</a:t>
+              <a:t>25-5-2020</a:t>
             </a:fld>
             <a:endParaRPr lang="nl-NL"/>
           </a:p>
@@ -5369,7 +5369,7 @@
           <a:p>
             <a:fld id="{75934EED-E7C0-439C-9F42-70CEC4ABC1D3}" type="datetimeFigureOut">
               <a:rPr lang="nl-NL" smtClean="0"/>
-              <a:t>10-5-2020</a:t>
+              <a:t>25-5-2020</a:t>
             </a:fld>
             <a:endParaRPr lang="nl-NL"/>
           </a:p>
@@ -6221,7 +6221,7 @@
           <a:p>
             <a:fld id="{75934EED-E7C0-439C-9F42-70CEC4ABC1D3}" type="datetimeFigureOut">
               <a:rPr lang="nl-NL" smtClean="0"/>
-              <a:t>10-5-2020</a:t>
+              <a:t>25-5-2020</a:t>
             </a:fld>
             <a:endParaRPr lang="nl-NL"/>
           </a:p>
@@ -6426,7 +6426,7 @@
           <a:p>
             <a:fld id="{75934EED-E7C0-439C-9F42-70CEC4ABC1D3}" type="datetimeFigureOut">
               <a:rPr lang="nl-NL" smtClean="0"/>
-              <a:t>10-5-2020</a:t>
+              <a:t>25-5-2020</a:t>
             </a:fld>
             <a:endParaRPr lang="nl-NL"/>
           </a:p>
@@ -6640,7 +6640,7 @@
           <a:p>
             <a:fld id="{75934EED-E7C0-439C-9F42-70CEC4ABC1D3}" type="datetimeFigureOut">
               <a:rPr lang="nl-NL" smtClean="0"/>
-              <a:t>10-5-2020</a:t>
+              <a:t>25-5-2020</a:t>
             </a:fld>
             <a:endParaRPr lang="nl-NL"/>
           </a:p>
@@ -6816,7 +6816,7 @@
           <a:p>
             <a:fld id="{75934EED-E7C0-439C-9F42-70CEC4ABC1D3}" type="datetimeFigureOut">
               <a:rPr lang="nl-NL" smtClean="0"/>
-              <a:t>10-5-2020</a:t>
+              <a:t>25-5-2020</a:t>
             </a:fld>
             <a:endParaRPr lang="nl-NL"/>
           </a:p>
@@ -7021,7 +7021,7 @@
           <a:p>
             <a:fld id="{75934EED-E7C0-439C-9F42-70CEC4ABC1D3}" type="datetimeFigureOut">
               <a:rPr lang="nl-NL" smtClean="0"/>
-              <a:t>10-5-2020</a:t>
+              <a:t>25-5-2020</a:t>
             </a:fld>
             <a:endParaRPr lang="nl-NL"/>
           </a:p>
@@ -7301,7 +7301,7 @@
           <a:p>
             <a:fld id="{75934EED-E7C0-439C-9F42-70CEC4ABC1D3}" type="datetimeFigureOut">
               <a:rPr lang="nl-NL" smtClean="0"/>
-              <a:t>10-5-2020</a:t>
+              <a:t>25-5-2020</a:t>
             </a:fld>
             <a:endParaRPr lang="nl-NL"/>
           </a:p>
@@ -7568,7 +7568,7 @@
           <a:p>
             <a:fld id="{75934EED-E7C0-439C-9F42-70CEC4ABC1D3}" type="datetimeFigureOut">
               <a:rPr lang="nl-NL" smtClean="0"/>
-              <a:t>10-5-2020</a:t>
+              <a:t>25-5-2020</a:t>
             </a:fld>
             <a:endParaRPr lang="nl-NL"/>
           </a:p>
@@ -7983,7 +7983,7 @@
           <a:p>
             <a:fld id="{75934EED-E7C0-439C-9F42-70CEC4ABC1D3}" type="datetimeFigureOut">
               <a:rPr lang="nl-NL" smtClean="0"/>
-              <a:t>10-5-2020</a:t>
+              <a:t>25-5-2020</a:t>
             </a:fld>
             <a:endParaRPr lang="nl-NL"/>
           </a:p>
@@ -8131,7 +8131,7 @@
           <a:p>
             <a:fld id="{75934EED-E7C0-439C-9F42-70CEC4ABC1D3}" type="datetimeFigureOut">
               <a:rPr lang="nl-NL" smtClean="0"/>
-              <a:t>10-5-2020</a:t>
+              <a:t>25-5-2020</a:t>
             </a:fld>
             <a:endParaRPr lang="nl-NL"/>
           </a:p>
@@ -8256,7 +8256,7 @@
           <a:p>
             <a:fld id="{75934EED-E7C0-439C-9F42-70CEC4ABC1D3}" type="datetimeFigureOut">
               <a:rPr lang="nl-NL" smtClean="0"/>
-              <a:t>10-5-2020</a:t>
+              <a:t>25-5-2020</a:t>
             </a:fld>
             <a:endParaRPr lang="nl-NL"/>
           </a:p>
@@ -8535,7 +8535,7 @@
           <a:p>
             <a:fld id="{75934EED-E7C0-439C-9F42-70CEC4ABC1D3}" type="datetimeFigureOut">
               <a:rPr lang="nl-NL" smtClean="0"/>
-              <a:t>10-5-2020</a:t>
+              <a:t>25-5-2020</a:t>
             </a:fld>
             <a:endParaRPr lang="nl-NL"/>
           </a:p>
@@ -8847,7 +8847,7 @@
           <a:p>
             <a:fld id="{75934EED-E7C0-439C-9F42-70CEC4ABC1D3}" type="datetimeFigureOut">
               <a:rPr lang="nl-NL" smtClean="0"/>
-              <a:t>10-5-2020</a:t>
+              <a:t>25-5-2020</a:t>
             </a:fld>
             <a:endParaRPr lang="nl-NL"/>
           </a:p>
@@ -9100,7 +9100,7 @@
           <a:p>
             <a:fld id="{75934EED-E7C0-439C-9F42-70CEC4ABC1D3}" type="datetimeFigureOut">
               <a:rPr lang="nl-NL" smtClean="0"/>
-              <a:t>10-5-2020</a:t>
+              <a:t>25-5-2020</a:t>
             </a:fld>
             <a:endParaRPr lang="nl-NL"/>
           </a:p>
@@ -11708,7 +11708,12 @@
             <p:ph type="title"/>
           </p:nvPr>
         </p:nvSpPr>
-        <p:spPr/>
+        <p:spPr>
+          <a:xfrm>
+            <a:off x="913775" y="618517"/>
+            <a:ext cx="10364451" cy="1596177"/>
+          </a:xfrm>
+        </p:spPr>
         <p:txBody>
           <a:bodyPr/>
           <a:lstStyle/>
@@ -11739,7 +11744,7 @@
         </p:nvSpPr>
         <p:spPr>
           <a:xfrm>
-            <a:off x="1100669" y="2552267"/>
+            <a:off x="913774" y="3429000"/>
             <a:ext cx="1531188" cy="369332"/>
           </a:xfrm>
           <a:prstGeom prst="rect">
@@ -11775,7 +11780,7 @@
         </p:nvGrpSpPr>
         <p:grpSpPr>
           <a:xfrm>
-            <a:off x="3331445" y="2477250"/>
+            <a:off x="3144550" y="3353983"/>
             <a:ext cx="6138710" cy="468343"/>
             <a:chOff x="1805504" y="2547584"/>
             <a:chExt cx="6138710" cy="468343"/>
@@ -12087,7 +12092,7 @@
         </p:nvSpPr>
         <p:spPr>
           <a:xfrm>
-            <a:off x="1100669" y="3851065"/>
+            <a:off x="913774" y="4727798"/>
             <a:ext cx="1303562" cy="369332"/>
           </a:xfrm>
           <a:prstGeom prst="rect">
@@ -12123,7 +12128,7 @@
         </p:nvGrpSpPr>
         <p:grpSpPr>
           <a:xfrm>
-            <a:off x="3541116" y="3780669"/>
+            <a:off x="3354221" y="4657402"/>
             <a:ext cx="5929039" cy="460112"/>
             <a:chOff x="3541116" y="3780669"/>
             <a:chExt cx="5929039" cy="460112"/>
@@ -12258,6 +12263,50 @@
           </p:style>
         </p:cxnSp>
       </p:grpSp>
+      <p:sp>
+        <p:nvSpPr>
+          <p:cNvPr id="3" name="TextBox 2">
+            <a:extLst>
+              <a:ext uri="{FF2B5EF4-FFF2-40B4-BE49-F238E27FC236}">
+                <a16:creationId xmlns:a16="http://schemas.microsoft.com/office/drawing/2014/main" id="{5252B5A4-A9C4-4E2D-A7B3-E9CDFC222078}"/>
+              </a:ext>
+            </a:extLst>
+          </p:cNvPr>
+          <p:cNvSpPr txBox="1"/>
+          <p:nvPr/>
+        </p:nvSpPr>
+        <p:spPr>
+          <a:xfrm>
+            <a:off x="913774" y="2317844"/>
+            <a:ext cx="10364451" cy="646331"/>
+          </a:xfrm>
+          <a:prstGeom prst="rect">
+            <a:avLst/>
+          </a:prstGeom>
+          <a:noFill/>
+        </p:spPr>
+        <p:txBody>
+          <a:bodyPr wrap="square" rtlCol="0">
+            <a:spAutoFit/>
+          </a:bodyPr>
+          <a:lstStyle/>
+          <a:p>
+            <a:r>
+              <a:rPr lang="en-US" dirty="0"/>
+              <a:t>During the demo simple timer-streams are shown, but in real life this can be data streams from </a:t>
+            </a:r>
+            <a:r>
+              <a:rPr lang="en-US" dirty="0" err="1"/>
+              <a:t>websockets</a:t>
+            </a:r>
+            <a:r>
+              <a:rPr lang="en-US" dirty="0"/>
+              <a:t> or events.</a:t>
+            </a:r>
+            <a:endParaRPr lang="nl-NL" dirty="0"/>
+          </a:p>
+        </p:txBody>
+      </p:sp>
     </p:spTree>
     <p:extLst>
       <p:ext uri="{BB962C8B-B14F-4D97-AF65-F5344CB8AC3E}">
